--- a/Documents/ClassSnap.pptx
+++ b/Documents/ClassSnap.pptx
@@ -5,7 +5,7 @@
     <p:sldMasterId id="2147483696" r:id="rId1"/>
   </p:sldMasterIdLst>
   <p:notesMasterIdLst>
-    <p:notesMasterId r:id="rId12"/>
+    <p:notesMasterId r:id="rId15"/>
   </p:notesMasterIdLst>
   <p:sldIdLst>
     <p:sldId id="297" r:id="rId2"/>
@@ -13,11 +13,14 @@
     <p:sldId id="298" r:id="rId4"/>
     <p:sldId id="305" r:id="rId5"/>
     <p:sldId id="299" r:id="rId6"/>
-    <p:sldId id="302" r:id="rId7"/>
-    <p:sldId id="301" r:id="rId8"/>
-    <p:sldId id="300" r:id="rId9"/>
-    <p:sldId id="304" r:id="rId10"/>
-    <p:sldId id="306" r:id="rId11"/>
+    <p:sldId id="307" r:id="rId7"/>
+    <p:sldId id="302" r:id="rId8"/>
+    <p:sldId id="301" r:id="rId9"/>
+    <p:sldId id="308" r:id="rId10"/>
+    <p:sldId id="309" r:id="rId11"/>
+    <p:sldId id="300" r:id="rId12"/>
+    <p:sldId id="304" r:id="rId13"/>
+    <p:sldId id="306" r:id="rId14"/>
   </p:sldIdLst>
   <p:sldSz cx="12192000" cy="6858000"/>
   <p:notesSz cx="6858000" cy="9144000"/>
@@ -2417,7 +2420,7 @@
 <dgm:dataModel xmlns:dgm="http://schemas.openxmlformats.org/drawingml/2006/diagram" xmlns:a="http://schemas.openxmlformats.org/drawingml/2006/main">
   <dgm:ptLst>
     <dgm:pt modelId="{FC9BF6CF-9ED0-4CE3-8CE6-778DE5FEC425}" type="doc">
-      <dgm:prSet loTypeId="urn:microsoft.com/office/officeart/2016/7/layout/LinearBlockProcessNumbered" loCatId="process" qsTypeId="urn:microsoft.com/office/officeart/2005/8/quickstyle/simple1" qsCatId="simple" csTypeId="urn:microsoft.com/office/officeart/2005/8/colors/accent1_2" csCatId="accent1"/>
+      <dgm:prSet loTypeId="urn:microsoft.com/office/officeart/2016/7/layout/LinearBlockProcessNumbered" loCatId="process" qsTypeId="urn:microsoft.com/office/officeart/2005/8/quickstyle/simple1" qsCatId="simple" csTypeId="urn:microsoft.com/office/officeart/2005/8/colors/accent1_2" csCatId="accent1" phldr="1"/>
       <dgm:spPr/>
       <dgm:t>
         <a:bodyPr/>
@@ -2435,7 +2438,7 @@
         <a:lstStyle/>
         <a:p>
           <a:r>
-            <a:rPr lang="en-US" sz="1300"/>
+            <a:rPr lang="en-US" sz="1300" dirty="0"/>
             <a:t>Note-taking Challenges: Students face difficulty in taking comprehensive notes during online meetings, particularly when the speaker speaks quickly or has a strong accent, leading to incomplete or unclear information.</a:t>
           </a:r>
         </a:p>
@@ -2513,7 +2516,7 @@
         <a:lstStyle/>
         <a:p>
           <a:r>
-            <a:rPr lang="en-US" sz="1300"/>
+            <a:rPr lang="en-US" sz="1300" dirty="0"/>
             <a:t>Information Organization: Students struggle with finding and organizing relevant information and notes for each online meeting, leading to confusion and frustration when trying to access crucial details.</a:t>
           </a:r>
         </a:p>
@@ -2552,14 +2555,14 @@
         <a:lstStyle/>
         <a:p>
           <a:r>
-            <a:rPr lang="en-US" sz="1300">
+            <a:rPr lang="en-US" sz="1300" dirty="0">
               <a:latin typeface="Calibri Light" panose="020F0302020204030204"/>
             </a:rPr>
             <a:t>Lack</a:t>
           </a:r>
           <a:r>
-            <a:rPr lang="en-US" sz="1300"/>
-            <a:t> of Interaction and Feedback: The absence of adequate feedback and interaction with the instructor and peers diminishes the sense of engagement and belonging during online learning sessions.</a:t>
+            <a:rPr lang="en-US" sz="1300" dirty="0"/>
+            <a:t> of Interaction and management: The absence of adequate interaction with the instructor and management peers diminishes the sense of engagement and belonging during online learning sessions.</a:t>
           </a:r>
         </a:p>
       </dgm:t>
@@ -3480,8 +3483,8 @@
             <a:defRPr b="1"/>
           </a:pPr>
           <a:r>
-            <a:rPr lang="en-US"/>
-            <a:t>Deployment and Feedback Collection:</a:t>
+            <a:rPr lang="en-US" dirty="0"/>
+            <a:t>Deployment:</a:t>
           </a:r>
         </a:p>
       </dgm:t>
@@ -3521,17 +3524,29 @@
             </a:lnSpc>
           </a:pPr>
           <a:r>
-            <a:rPr lang="en-US"/>
-            <a:t>Deploy the </a:t>
+            <a:rPr lang="en-US" b="0" i="0" dirty="0"/>
+            <a:t>Deploy </a:t>
           </a:r>
           <a:r>
-            <a:rPr lang="en-US" err="1"/>
+            <a:rPr lang="en-US" b="0" i="0" dirty="0" err="1"/>
             <a:t>ClassSnap</a:t>
           </a:r>
           <a:r>
-            <a:rPr lang="en-US"/>
-            <a:t> application to a secure server or cloud environment.</a:t>
+            <a:rPr lang="en-US" b="0" i="0" dirty="0"/>
+            <a:t> on a secure cloud server. Set up with dependencies, upload code, and configure.</a:t>
           </a:r>
+        </a:p>
+        <a:p>
+          <a:pPr>
+            <a:lnSpc>
+              <a:spcPct val="100000"/>
+            </a:lnSpc>
+          </a:pPr>
+          <a:r>
+            <a:rPr lang="en-US" b="0" i="0" dirty="0"/>
+            <a:t>Back up data, comply with rules, and plan for recovery. Maintain and update regularly for reliability.</a:t>
+          </a:r>
+          <a:endParaRPr lang="en-US" dirty="0"/>
         </a:p>
       </dgm:t>
     </dgm:pt>
@@ -3569,10 +3584,7 @@
               <a:spcPct val="100000"/>
             </a:lnSpc>
           </a:pPr>
-          <a:r>
-            <a:rPr lang="en-US"/>
-            <a:t>Gather feedback from users (students and educators) to identify any improvements or additional features required.</a:t>
-          </a:r>
+          <a:endParaRPr lang="en-US" dirty="0"/>
         </a:p>
       </dgm:t>
     </dgm:pt>
@@ -4073,7 +4085,7 @@
         <a:p>
           <a:pPr algn="l"/>
           <a:r>
-            <a:rPr lang="en-US"/>
+            <a:rPr lang="en-US" dirty="0"/>
             <a:t> 1. Start</a:t>
           </a:r>
         </a:p>
@@ -4082,6 +4094,13 @@
     <dgm:pt modelId="{6193B705-07AB-4698-8A69-CC2DCCE7A8E2}" type="parTrans" cxnId="{3479A1CE-D11A-4147-B482-EE45AE27F94C}">
       <dgm:prSet/>
       <dgm:spPr/>
+      <dgm:t>
+        <a:bodyPr/>
+        <a:lstStyle/>
+        <a:p>
+          <a:endParaRPr lang="en-IN"/>
+        </a:p>
+      </dgm:t>
     </dgm:pt>
     <dgm:pt modelId="{404139C7-70B4-4740-AC36-E1539782DB2C}" type="sibTrans" cxnId="{3479A1CE-D11A-4147-B482-EE45AE27F94C}">
       <dgm:prSet/>
@@ -4103,8 +4122,8 @@
         <a:p>
           <a:pPr algn="l"/>
           <a:r>
-            <a:rPr lang="en-US"/>
-            <a:t>2. User Logs in or Registers</a:t>
+            <a:rPr lang="en-US" dirty="0"/>
+            <a:t>2. User Logs in or Registers.</a:t>
           </a:r>
         </a:p>
       </dgm:t>
@@ -4112,6 +4131,13 @@
     <dgm:pt modelId="{9F6818ED-F463-4BD2-961C-14ADE4D7683A}" type="parTrans" cxnId="{EF8C4A01-70DF-4E49-900B-BF0B1FA7FC25}">
       <dgm:prSet/>
       <dgm:spPr/>
+      <dgm:t>
+        <a:bodyPr/>
+        <a:lstStyle/>
+        <a:p>
+          <a:endParaRPr lang="en-IN"/>
+        </a:p>
+      </dgm:t>
     </dgm:pt>
     <dgm:pt modelId="{8676EA09-C06B-4DA6-9866-06ED91A03E03}" type="sibTrans" cxnId="{EF8C4A01-70DF-4E49-900B-BF0B1FA7FC25}">
       <dgm:prSet/>
@@ -4133,8 +4159,8 @@
         <a:p>
           <a:pPr algn="l"/>
           <a:r>
-            <a:rPr lang="en-US"/>
-            <a:t>3. User is directed to the Dashboard</a:t>
+            <a:rPr lang="en-US" dirty="0"/>
+            <a:t>3. User is directed to the Dashboard.</a:t>
           </a:r>
         </a:p>
       </dgm:t>
@@ -4142,6 +4168,13 @@
     <dgm:pt modelId="{413E681A-C32D-4865-96DC-82F870D855CB}" type="parTrans" cxnId="{1A3CE267-5263-4C55-B9FD-70E88C8BBAC9}">
       <dgm:prSet/>
       <dgm:spPr/>
+      <dgm:t>
+        <a:bodyPr/>
+        <a:lstStyle/>
+        <a:p>
+          <a:endParaRPr lang="en-IN"/>
+        </a:p>
+      </dgm:t>
     </dgm:pt>
     <dgm:pt modelId="{CB644352-9B32-4F99-9C45-5FF445C61DFD}" type="sibTrans" cxnId="{1A3CE267-5263-4C55-B9FD-70E88C8BBAC9}">
       <dgm:prSet/>
@@ -4179,6 +4212,13 @@
     <dgm:pt modelId="{DE7339F5-2194-4974-90EF-A17A0210E439}" type="parTrans" cxnId="{5D2498AF-BE23-42DB-8507-3C9CF0DD7786}">
       <dgm:prSet/>
       <dgm:spPr/>
+      <dgm:t>
+        <a:bodyPr/>
+        <a:lstStyle/>
+        <a:p>
+          <a:endParaRPr lang="en-IN"/>
+        </a:p>
+      </dgm:t>
     </dgm:pt>
     <dgm:pt modelId="{C183B8B0-4635-4A2F-B027-8325D14228BC}" type="sibTrans" cxnId="{5D2498AF-BE23-42DB-8507-3C9CF0DD7786}">
       <dgm:prSet/>
@@ -4200,8 +4240,8 @@
         <a:p>
           <a:pPr algn="l"/>
           <a:r>
-            <a:rPr lang="en-US"/>
-            <a:t>5. User joins an online meeting (e.g., Google Meet)</a:t>
+            <a:rPr lang="en-US" dirty="0"/>
+            <a:t>5. User joins an online meeting (e.g., Google Meet).</a:t>
           </a:r>
         </a:p>
       </dgm:t>
@@ -4209,6 +4249,13 @@
     <dgm:pt modelId="{67DE8B13-AD4C-4619-9D5C-8E8AAFBD3137}" type="parTrans" cxnId="{F2E6AC6E-44B0-4553-A797-075D30DCDFC5}">
       <dgm:prSet/>
       <dgm:spPr/>
+      <dgm:t>
+        <a:bodyPr/>
+        <a:lstStyle/>
+        <a:p>
+          <a:endParaRPr lang="en-IN"/>
+        </a:p>
+      </dgm:t>
     </dgm:pt>
     <dgm:pt modelId="{99254D10-243C-4EBE-A4ED-7F31E91E84BE}" type="sibTrans" cxnId="{F2E6AC6E-44B0-4553-A797-075D30DCDFC5}">
       <dgm:prSet/>
@@ -4230,16 +4277,16 @@
         <a:p>
           <a:pPr algn="l"/>
           <a:r>
-            <a:rPr lang="en-US"/>
+            <a:rPr lang="en-US" dirty="0"/>
             <a:t>6. </a:t>
           </a:r>
           <a:r>
-            <a:rPr lang="en-US" err="1"/>
+            <a:rPr lang="en-US" dirty="0" err="1"/>
             <a:t>ClassSnap</a:t>
           </a:r>
           <a:r>
-            <a:rPr lang="en-US"/>
-            <a:t> automatically captures the meeting presentation</a:t>
+            <a:rPr lang="en-US" dirty="0"/>
+            <a:t> automatically captures the meeting presentation.</a:t>
           </a:r>
         </a:p>
       </dgm:t>
@@ -4247,6 +4294,13 @@
     <dgm:pt modelId="{9A97C94F-EACD-46DD-86AB-2D945F6FDFE5}" type="parTrans" cxnId="{4885917E-5801-41A6-BD17-17FF28BA0A1F}">
       <dgm:prSet/>
       <dgm:spPr/>
+      <dgm:t>
+        <a:bodyPr/>
+        <a:lstStyle/>
+        <a:p>
+          <a:endParaRPr lang="en-IN"/>
+        </a:p>
+      </dgm:t>
     </dgm:pt>
     <dgm:pt modelId="{E1D90A12-DFD0-4AEA-A097-1EF4CA3A9442}" type="sibTrans" cxnId="{4885917E-5801-41A6-BD17-17FF28BA0A1F}">
       <dgm:prSet/>
@@ -4268,8 +4322,8 @@
         <a:p>
           <a:pPr algn="l"/>
           <a:r>
-            <a:rPr lang="en-US"/>
-            <a:t>7. Machine Learning algorithm processes the presentation for summarization</a:t>
+            <a:rPr lang="en-US" dirty="0"/>
+            <a:t>7. Machine Learning algorithm processes the presentation for summarization.</a:t>
           </a:r>
         </a:p>
       </dgm:t>
@@ -4277,6 +4331,13 @@
     <dgm:pt modelId="{CE543AC6-DE8C-4C19-8D1F-A0CCEF6928E4}" type="parTrans" cxnId="{DB45E76D-90C2-4EB8-B3C3-EC4A7EE8A383}">
       <dgm:prSet/>
       <dgm:spPr/>
+      <dgm:t>
+        <a:bodyPr/>
+        <a:lstStyle/>
+        <a:p>
+          <a:endParaRPr lang="en-IN"/>
+        </a:p>
+      </dgm:t>
     </dgm:pt>
     <dgm:pt modelId="{6B7FEA4C-86BE-42C5-856A-B5B4C8283585}" type="sibTrans" cxnId="{DB45E76D-90C2-4EB8-B3C3-EC4A7EE8A383}">
       <dgm:prSet/>
@@ -4298,8 +4359,16 @@
         <a:p>
           <a:pPr algn="l"/>
           <a:r>
-            <a:rPr lang="en-US"/>
-            <a:t>8. Summarized notes are generated and stored in the centralized repository</a:t>
+            <a:rPr lang="en-US" dirty="0"/>
+            <a:t>8. Summarized notes are generated and stored in the cloud (</a:t>
+          </a:r>
+          <a:r>
+            <a:rPr lang="en-US" dirty="0" err="1"/>
+            <a:t>cloudinary</a:t>
+          </a:r>
+          <a:r>
+            <a:rPr lang="en-US" dirty="0"/>
+            <a:t>).</a:t>
           </a:r>
         </a:p>
       </dgm:t>
@@ -4307,6 +4376,13 @@
     <dgm:pt modelId="{D5A67A15-15FB-4CF6-9E9C-E1C74187D854}" type="parTrans" cxnId="{CCD4C85C-C257-4FA0-8E60-46F53C8E9A01}">
       <dgm:prSet/>
       <dgm:spPr/>
+      <dgm:t>
+        <a:bodyPr/>
+        <a:lstStyle/>
+        <a:p>
+          <a:endParaRPr lang="en-IN"/>
+        </a:p>
+      </dgm:t>
     </dgm:pt>
     <dgm:pt modelId="{A870160F-CC15-477C-8579-A5426FB66102}" type="sibTrans" cxnId="{CCD4C85C-C257-4FA0-8E60-46F53C8E9A01}">
       <dgm:prSet/>
@@ -4328,8 +4404,8 @@
         <a:p>
           <a:pPr algn="l"/>
           <a:r>
-            <a:rPr lang="en-US"/>
-            <a:t>9. User can access the generated notes anytime and anywhere</a:t>
+            <a:rPr lang="en-US" dirty="0"/>
+            <a:t>9.Summarized notes are then sent to the user Dashboard.</a:t>
           </a:r>
         </a:p>
       </dgm:t>
@@ -4337,38 +4413,15 @@
     <dgm:pt modelId="{76C591D0-04A6-4313-89E6-C48E494DE7C5}" type="parTrans" cxnId="{867413A2-D233-4CBA-8002-AE7421B8EAF2}">
       <dgm:prSet/>
       <dgm:spPr/>
-    </dgm:pt>
-    <dgm:pt modelId="{DC32F563-9379-4257-9A08-ECAA0AA0346A}" type="sibTrans" cxnId="{867413A2-D233-4CBA-8002-AE7421B8EAF2}">
-      <dgm:prSet/>
-      <dgm:spPr/>
       <dgm:t>
         <a:bodyPr/>
         <a:lstStyle/>
         <a:p>
-          <a:endParaRPr lang="en-US"/>
+          <a:endParaRPr lang="en-IN"/>
         </a:p>
       </dgm:t>
     </dgm:pt>
-    <dgm:pt modelId="{6191384B-BBA3-4A67-86D4-12704EC900A5}">
-      <dgm:prSet phldr="0"/>
-      <dgm:spPr/>
-      <dgm:t>
-        <a:bodyPr/>
-        <a:lstStyle/>
-        <a:p>
-          <a:pPr algn="l"/>
-          <a:r>
-            <a:rPr lang="en-US"/>
-            <a:t>10. User can review and revise the notes for better retention and understanding</a:t>
-          </a:r>
-        </a:p>
-      </dgm:t>
-    </dgm:pt>
-    <dgm:pt modelId="{0BE5ACBA-1D55-4219-8746-EECA513A1255}" type="parTrans" cxnId="{1117ABCB-FEE2-4D38-B0BF-D47348629577}">
-      <dgm:prSet/>
-      <dgm:spPr/>
-    </dgm:pt>
-    <dgm:pt modelId="{CF46D924-CB22-4115-929D-9096E558CE11}" type="sibTrans" cxnId="{1117ABCB-FEE2-4D38-B0BF-D47348629577}">
+    <dgm:pt modelId="{DC32F563-9379-4257-9A08-ECAA0AA0346A}" type="sibTrans" cxnId="{867413A2-D233-4CBA-8002-AE7421B8EAF2}">
       <dgm:prSet/>
       <dgm:spPr/>
       <dgm:t>
@@ -4388,8 +4441,8 @@
         <a:p>
           <a:pPr algn="l"/>
           <a:r>
-            <a:rPr lang="en-US"/>
-            <a:t>13. User can provide feedback on the application</a:t>
+            <a:rPr lang="en-US" dirty="0"/>
+            <a:t>11. User can review and revise the notes for better retention and understanding.</a:t>
           </a:r>
         </a:p>
       </dgm:t>
@@ -4397,6 +4450,13 @@
     <dgm:pt modelId="{A2ED2A52-C02D-434B-827D-F54B51CB1996}" type="parTrans" cxnId="{E0A3E3AD-5D12-4097-B4DC-FF42346ACBA1}">
       <dgm:prSet/>
       <dgm:spPr/>
+      <dgm:t>
+        <a:bodyPr/>
+        <a:lstStyle/>
+        <a:p>
+          <a:endParaRPr lang="en-IN"/>
+        </a:p>
+      </dgm:t>
     </dgm:pt>
     <dgm:pt modelId="{BD0585EE-CA73-457A-9955-04D0B69ABD81}" type="sibTrans" cxnId="{E0A3E3AD-5D12-4097-B4DC-FF42346ACBA1}">
       <dgm:prSet/>
@@ -4418,8 +4478,8 @@
         <a:p>
           <a:pPr algn="l"/>
           <a:r>
-            <a:rPr lang="en-US"/>
-            <a:t>14. End</a:t>
+            <a:rPr lang="en-US" dirty="0"/>
+            <a:t>12. End</a:t>
           </a:r>
         </a:p>
       </dgm:t>
@@ -4427,6 +4487,13 @@
     <dgm:pt modelId="{F5C2D17B-4132-41FB-83CF-C1C06832B250}" type="parTrans" cxnId="{2339E73F-5FB3-4529-85E3-4DB218B4ED33}">
       <dgm:prSet/>
       <dgm:spPr/>
+      <dgm:t>
+        <a:bodyPr/>
+        <a:lstStyle/>
+        <a:p>
+          <a:endParaRPr lang="en-IN"/>
+        </a:p>
+      </dgm:t>
     </dgm:pt>
     <dgm:pt modelId="{BF819D29-979D-471C-9CB4-83ABFB078864}" type="sibTrans" cxnId="{2339E73F-5FB3-4529-85E3-4DB218B4ED33}">
       <dgm:prSet/>
@@ -4436,6 +4503,43 @@
         <a:lstStyle/>
         <a:p>
           <a:endParaRPr lang="en-US"/>
+        </a:p>
+      </dgm:t>
+    </dgm:pt>
+    <dgm:pt modelId="{6191384B-BBA3-4A67-86D4-12704EC900A5}">
+      <dgm:prSet phldr="0"/>
+      <dgm:spPr/>
+      <dgm:t>
+        <a:bodyPr/>
+        <a:lstStyle/>
+        <a:p>
+          <a:pPr algn="l"/>
+          <a:r>
+            <a:rPr lang="en-US" dirty="0"/>
+            <a:t>10. User can access the generated notes anytime and anywhere.</a:t>
+          </a:r>
+        </a:p>
+      </dgm:t>
+    </dgm:pt>
+    <dgm:pt modelId="{CF46D924-CB22-4115-929D-9096E558CE11}" type="sibTrans" cxnId="{1117ABCB-FEE2-4D38-B0BF-D47348629577}">
+      <dgm:prSet/>
+      <dgm:spPr/>
+      <dgm:t>
+        <a:bodyPr/>
+        <a:lstStyle/>
+        <a:p>
+          <a:endParaRPr lang="en-US"/>
+        </a:p>
+      </dgm:t>
+    </dgm:pt>
+    <dgm:pt modelId="{0BE5ACBA-1D55-4219-8746-EECA513A1255}" type="parTrans" cxnId="{1117ABCB-FEE2-4D38-B0BF-D47348629577}">
+      <dgm:prSet/>
+      <dgm:spPr/>
+      <dgm:t>
+        <a:bodyPr/>
+        <a:lstStyle/>
+        <a:p>
+          <a:endParaRPr lang="en-IN"/>
         </a:p>
       </dgm:t>
     </dgm:pt>
@@ -4802,7 +4906,7 @@
             <a:buNone/>
           </a:pPr>
           <a:r>
-            <a:rPr lang="en-US" sz="1300" kern="1200"/>
+            <a:rPr lang="en-US" sz="1300" kern="1200" dirty="0"/>
             <a:t>Note-taking Challenges: Students face difficulty in taking comprehensive notes during online meetings, particularly when the speaker speaks quickly or has a strong accent, leading to incomplete or unclear information.</a:t>
           </a:r>
         </a:p>
@@ -5088,7 +5192,7 @@
             <a:buNone/>
           </a:pPr>
           <a:r>
-            <a:rPr lang="en-US" sz="1300" kern="1200"/>
+            <a:rPr lang="en-US" sz="1300" kern="1200" dirty="0"/>
             <a:t>Information Organization: Students struggle with finding and organizing relevant information and notes for each online meeting, leading to confusion and frustration when trying to access crucial details.</a:t>
           </a:r>
         </a:p>
@@ -5231,14 +5335,14 @@
             <a:buNone/>
           </a:pPr>
           <a:r>
-            <a:rPr lang="en-US" sz="1300" kern="1200">
+            <a:rPr lang="en-US" sz="1300" kern="1200" dirty="0">
               <a:latin typeface="Calibri Light" panose="020F0302020204030204"/>
             </a:rPr>
             <a:t>Lack</a:t>
           </a:r>
           <a:r>
-            <a:rPr lang="en-US" sz="1300" kern="1200"/>
-            <a:t> of Interaction and Feedback: The absence of adequate feedback and interaction with the instructor and peers diminishes the sense of engagement and belonging during online learning sessions.</a:t>
+            <a:rPr lang="en-US" sz="1300" kern="1200" dirty="0"/>
+            <a:t> of Interaction and management: The absence of adequate interaction with the instructor and management peers diminishes the sense of engagement and belonging during online learning sessions.</a:t>
           </a:r>
         </a:p>
       </dsp:txBody>
@@ -6404,8 +6508,8 @@
             <a:defRPr b="1"/>
           </a:pPr>
           <a:r>
-            <a:rPr lang="en-US" sz="1400" kern="1200"/>
-            <a:t>Deployment and Feedback Collection:</a:t>
+            <a:rPr lang="en-US" sz="1400" kern="1200" dirty="0"/>
+            <a:t>Deployment:</a:t>
           </a:r>
         </a:p>
       </dsp:txBody>
@@ -6464,16 +6568,16 @@
             <a:buNone/>
           </a:pPr>
           <a:r>
-            <a:rPr lang="en-US" sz="1100" kern="1200"/>
-            <a:t>Deploy the </a:t>
+            <a:rPr lang="en-US" sz="1100" b="0" i="0" kern="1200" dirty="0"/>
+            <a:t>Deploy </a:t>
           </a:r>
           <a:r>
-            <a:rPr lang="en-US" sz="1100" kern="1200" err="1"/>
+            <a:rPr lang="en-US" sz="1100" b="0" i="0" kern="1200" dirty="0" err="1"/>
             <a:t>ClassSnap</a:t>
           </a:r>
           <a:r>
-            <a:rPr lang="en-US" sz="1100" kern="1200"/>
-            <a:t> application to a secure server or cloud environment.</a:t>
+            <a:rPr lang="en-US" sz="1100" b="0" i="0" kern="1200" dirty="0"/>
+            <a:t> on a secure cloud server. Set up with dependencies, upload code, and configure.</a:t>
           </a:r>
         </a:p>
         <a:p>
@@ -6490,9 +6594,25 @@
             <a:buNone/>
           </a:pPr>
           <a:r>
-            <a:rPr lang="en-US" sz="1100" kern="1200"/>
-            <a:t>Gather feedback from users (students and educators) to identify any improvements or additional features required.</a:t>
+            <a:rPr lang="en-US" sz="1100" b="0" i="0" kern="1200" dirty="0"/>
+            <a:t>Back up data, comply with rules, and plan for recovery. Maintain and update regularly for reliability.</a:t>
           </a:r>
+          <a:endParaRPr lang="en-US" sz="1100" kern="1200" dirty="0"/>
+        </a:p>
+        <a:p>
+          <a:pPr marL="0" lvl="0" indent="0" algn="l" defTabSz="488950">
+            <a:lnSpc>
+              <a:spcPct val="100000"/>
+            </a:lnSpc>
+            <a:spcBef>
+              <a:spcPct val="0"/>
+            </a:spcBef>
+            <a:spcAft>
+              <a:spcPct val="35000"/>
+            </a:spcAft>
+            <a:buNone/>
+          </a:pPr>
+          <a:endParaRPr lang="en-US" sz="1100" kern="1200" dirty="0"/>
         </a:p>
       </dsp:txBody>
       <dsp:txXfrm>
@@ -6582,7 +6702,7 @@
             <a:buNone/>
           </a:pPr>
           <a:r>
-            <a:rPr lang="en-US" sz="1600" kern="1200"/>
+            <a:rPr lang="en-US" sz="1600" kern="1200" dirty="0"/>
             <a:t> 1. Start</a:t>
           </a:r>
         </a:p>
@@ -6732,8 +6852,8 @@
             <a:buNone/>
           </a:pPr>
           <a:r>
-            <a:rPr lang="en-US" sz="1600" kern="1200"/>
-            <a:t>2. User Logs in or Registers</a:t>
+            <a:rPr lang="en-US" sz="1600" kern="1200" dirty="0"/>
+            <a:t>2. User Logs in or Registers.</a:t>
           </a:r>
         </a:p>
       </dsp:txBody>
@@ -6882,8 +7002,8 @@
             <a:buNone/>
           </a:pPr>
           <a:r>
-            <a:rPr lang="en-US" sz="1600" kern="1200"/>
-            <a:t>3. User is directed to the Dashboard</a:t>
+            <a:rPr lang="en-US" sz="1600" kern="1200" dirty="0"/>
+            <a:t>3. User is directed to the Dashboard.</a:t>
           </a:r>
         </a:p>
       </dsp:txBody>
@@ -7189,8 +7309,8 @@
             <a:buNone/>
           </a:pPr>
           <a:r>
-            <a:rPr lang="en-US" sz="1600" kern="1200"/>
-            <a:t>5. User joins an online meeting (e.g., Google Meet)</a:t>
+            <a:rPr lang="en-US" sz="1600" kern="1200" dirty="0"/>
+            <a:t>5. User joins an online meeting (e.g., Google Meet).</a:t>
           </a:r>
         </a:p>
       </dsp:txBody>
@@ -7339,16 +7459,16 @@
             <a:buNone/>
           </a:pPr>
           <a:r>
-            <a:rPr lang="en-US" sz="1600" kern="1200"/>
+            <a:rPr lang="en-US" sz="1600" kern="1200" dirty="0"/>
             <a:t>6. </a:t>
           </a:r>
           <a:r>
-            <a:rPr lang="en-US" sz="1600" kern="1200" err="1"/>
+            <a:rPr lang="en-US" sz="1600" kern="1200" dirty="0" err="1"/>
             <a:t>ClassSnap</a:t>
           </a:r>
           <a:r>
-            <a:rPr lang="en-US" sz="1600" kern="1200"/>
-            <a:t> automatically captures the meeting presentation</a:t>
+            <a:rPr lang="en-US" sz="1600" kern="1200" dirty="0"/>
+            <a:t> automatically captures the meeting presentation.</a:t>
           </a:r>
         </a:p>
       </dsp:txBody>
@@ -7497,8 +7617,8 @@
             <a:buNone/>
           </a:pPr>
           <a:r>
-            <a:rPr lang="en-US" sz="1600" kern="1200"/>
-            <a:t>7. Machine Learning algorithm processes the presentation for summarization</a:t>
+            <a:rPr lang="en-US" sz="1600" kern="1200" dirty="0"/>
+            <a:t>7. Machine Learning algorithm processes the presentation for summarization.</a:t>
           </a:r>
         </a:p>
       </dsp:txBody>
@@ -7647,8 +7767,16 @@
             <a:buNone/>
           </a:pPr>
           <a:r>
-            <a:rPr lang="en-US" sz="1600" kern="1200"/>
-            <a:t>8. Summarized notes are generated and stored in the centralized repository</a:t>
+            <a:rPr lang="en-US" sz="1600" kern="1200" dirty="0"/>
+            <a:t>8. Summarized notes are generated and stored in the cloud (</a:t>
+          </a:r>
+          <a:r>
+            <a:rPr lang="en-US" sz="1600" kern="1200" dirty="0" err="1"/>
+            <a:t>cloudinary</a:t>
+          </a:r>
+          <a:r>
+            <a:rPr lang="en-US" sz="1600" kern="1200" dirty="0"/>
+            <a:t>).</a:t>
           </a:r>
         </a:p>
       </dsp:txBody>
@@ -7797,8 +7925,8 @@
             <a:buNone/>
           </a:pPr>
           <a:r>
-            <a:rPr lang="en-US" sz="1600" kern="1200"/>
-            <a:t>9. User can access the generated notes anytime and anywhere</a:t>
+            <a:rPr lang="en-US" sz="1600" kern="1200" dirty="0"/>
+            <a:t>9.Summarized notes are then sent to the user Dashboard.</a:t>
           </a:r>
         </a:p>
       </dsp:txBody>
@@ -7947,8 +8075,8 @@
             <a:buNone/>
           </a:pPr>
           <a:r>
-            <a:rPr lang="en-US" sz="1600" kern="1200"/>
-            <a:t>10. User can review and revise the notes for better retention and understanding</a:t>
+            <a:rPr lang="en-US" sz="1600" kern="1200" dirty="0"/>
+            <a:t>10. User can access the generated notes anytime and anywhere.</a:t>
           </a:r>
         </a:p>
       </dsp:txBody>
@@ -8097,8 +8225,8 @@
             <a:buNone/>
           </a:pPr>
           <a:r>
-            <a:rPr lang="en-US" sz="1600" kern="1200"/>
-            <a:t>13. User can provide feedback on the application</a:t>
+            <a:rPr lang="en-US" sz="1600" kern="1200" dirty="0"/>
+            <a:t>11. User can review and revise the notes for better retention and understanding.</a:t>
           </a:r>
         </a:p>
       </dsp:txBody>
@@ -8247,8 +8375,8 @@
             <a:buNone/>
           </a:pPr>
           <a:r>
-            <a:rPr lang="en-US" sz="1600" kern="1200"/>
-            <a:t>14. End</a:t>
+            <a:rPr lang="en-US" sz="1600" kern="1200" dirty="0"/>
+            <a:t>12. End</a:t>
           </a:r>
         </a:p>
       </dsp:txBody>
@@ -12091,7 +12219,7 @@
           <a:p>
             <a:fld id="{5006D5FC-F2E6-431F-88E0-A552A8457D65}" type="datetimeFigureOut">
               <a:rPr lang="en-US" smtClean="0"/>
-              <a:t>8/11/2023</a:t>
+              <a:t>8/23/2023</a:t>
             </a:fld>
             <a:endParaRPr lang="en-US"/>
           </a:p>
@@ -12776,7 +12904,7 @@
           <a:p>
             <a:fld id="{C764DE79-268F-4C1A-8933-263129D2AF90}" type="datetimeFigureOut">
               <a:rPr lang="en-US" dirty="0"/>
-              <a:t>8/11/2023</a:t>
+              <a:t>8/23/2023</a:t>
             </a:fld>
             <a:endParaRPr lang="en-US"/>
           </a:p>
@@ -12944,7 +13072,7 @@
           <a:p>
             <a:fld id="{C764DE79-268F-4C1A-8933-263129D2AF90}" type="datetimeFigureOut">
               <a:rPr lang="en-US" dirty="0"/>
-              <a:t>8/11/2023</a:t>
+              <a:t>8/23/2023</a:t>
             </a:fld>
             <a:endParaRPr lang="en-US"/>
           </a:p>
@@ -13122,7 +13250,7 @@
           <a:p>
             <a:fld id="{C764DE79-268F-4C1A-8933-263129D2AF90}" type="datetimeFigureOut">
               <a:rPr lang="en-US" dirty="0"/>
-              <a:t>8/11/2023</a:t>
+              <a:t>8/23/2023</a:t>
             </a:fld>
             <a:endParaRPr lang="en-US"/>
           </a:p>
@@ -13290,7 +13418,7 @@
           <a:p>
             <a:fld id="{C764DE79-268F-4C1A-8933-263129D2AF90}" type="datetimeFigureOut">
               <a:rPr lang="en-US" dirty="0"/>
-              <a:t>8/11/2023</a:t>
+              <a:t>8/23/2023</a:t>
             </a:fld>
             <a:endParaRPr lang="en-US"/>
           </a:p>
@@ -13535,7 +13663,7 @@
           <a:p>
             <a:fld id="{C764DE79-268F-4C1A-8933-263129D2AF90}" type="datetimeFigureOut">
               <a:rPr lang="en-US" dirty="0"/>
-              <a:t>8/11/2023</a:t>
+              <a:t>8/23/2023</a:t>
             </a:fld>
             <a:endParaRPr lang="en-US"/>
           </a:p>
@@ -13764,7 +13892,7 @@
           <a:p>
             <a:fld id="{C764DE79-268F-4C1A-8933-263129D2AF90}" type="datetimeFigureOut">
               <a:rPr lang="en-US" dirty="0"/>
-              <a:t>8/11/2023</a:t>
+              <a:t>8/23/2023</a:t>
             </a:fld>
             <a:endParaRPr lang="en-US"/>
           </a:p>
@@ -14128,7 +14256,7 @@
           <a:p>
             <a:fld id="{C764DE79-268F-4C1A-8933-263129D2AF90}" type="datetimeFigureOut">
               <a:rPr lang="en-US" dirty="0"/>
-              <a:t>8/11/2023</a:t>
+              <a:t>8/23/2023</a:t>
             </a:fld>
             <a:endParaRPr lang="en-US"/>
           </a:p>
@@ -14245,7 +14373,7 @@
           <a:p>
             <a:fld id="{C764DE79-268F-4C1A-8933-263129D2AF90}" type="datetimeFigureOut">
               <a:rPr lang="en-US" dirty="0"/>
-              <a:t>8/11/2023</a:t>
+              <a:t>8/23/2023</a:t>
             </a:fld>
             <a:endParaRPr lang="en-US"/>
           </a:p>
@@ -14340,7 +14468,7 @@
           <a:p>
             <a:fld id="{C764DE79-268F-4C1A-8933-263129D2AF90}" type="datetimeFigureOut">
               <a:rPr lang="en-US" dirty="0"/>
-              <a:t>8/11/2023</a:t>
+              <a:t>8/23/2023</a:t>
             </a:fld>
             <a:endParaRPr lang="en-US"/>
           </a:p>
@@ -14615,7 +14743,7 @@
           <a:p>
             <a:fld id="{C764DE79-268F-4C1A-8933-263129D2AF90}" type="datetimeFigureOut">
               <a:rPr lang="en-US" dirty="0"/>
-              <a:t>8/11/2023</a:t>
+              <a:t>8/23/2023</a:t>
             </a:fld>
             <a:endParaRPr lang="en-US"/>
           </a:p>
@@ -14867,7 +14995,7 @@
           <a:p>
             <a:fld id="{C764DE79-268F-4C1A-8933-263129D2AF90}" type="datetimeFigureOut">
               <a:rPr lang="en-US" dirty="0"/>
-              <a:t>8/11/2023</a:t>
+              <a:t>8/23/2023</a:t>
             </a:fld>
             <a:endParaRPr lang="en-US"/>
           </a:p>
@@ -15078,7 +15206,7 @@
           <a:p>
             <a:fld id="{C764DE79-268F-4C1A-8933-263129D2AF90}" type="datetimeFigureOut">
               <a:rPr lang="en-US" dirty="0"/>
-              <a:t>8/11/2023</a:t>
+              <a:t>8/23/2023</a:t>
             </a:fld>
             <a:endParaRPr lang="en-US"/>
           </a:p>
@@ -15561,7 +15689,7 @@
               <a:defRPr/>
             </a:pPr>
             <a:r>
-              <a:rPr lang="en-US" sz="1500" b="1">
+              <a:rPr lang="en-US" sz="1500" b="1" dirty="0">
                 <a:solidFill>
                   <a:srgbClr val="C00000"/>
                 </a:solidFill>
@@ -15589,7 +15717,7 @@
               <a:defRPr/>
             </a:pPr>
             <a:r>
-              <a:rPr lang="en-US" sz="1500" b="1" cap="all">
+              <a:rPr lang="en-US" sz="1500" b="1" cap="all" dirty="0">
                 <a:solidFill>
                   <a:srgbClr val="002060"/>
                 </a:solidFill>
@@ -15610,7 +15738,7 @@
               <a:defRPr/>
             </a:pPr>
             <a:r>
-              <a:rPr lang="en-US" sz="1500" b="1" cap="all">
+              <a:rPr lang="en-US" sz="1500" b="1" cap="all" dirty="0">
                 <a:solidFill>
                   <a:srgbClr val="002060"/>
                 </a:solidFill>
@@ -15620,7 +15748,7 @@
               <a:t>Gautam </a:t>
             </a:r>
             <a:r>
-              <a:rPr lang="en-US" sz="1500" b="1" cap="all" err="1">
+              <a:rPr lang="en-US" sz="1500" b="1" cap="all" dirty="0" err="1">
                 <a:solidFill>
                   <a:srgbClr val="002060"/>
                 </a:solidFill>
@@ -15630,7 +15758,7 @@
               <a:t>Shorewala</a:t>
             </a:r>
             <a:r>
-              <a:rPr lang="en-US" sz="1500" b="1" cap="all">
+              <a:rPr lang="en-US" sz="1500" b="1" cap="all" dirty="0">
                 <a:solidFill>
                   <a:srgbClr val="002060"/>
                 </a:solidFill>
@@ -15651,24 +15779,14 @@
               <a:defRPr/>
             </a:pPr>
             <a:r>
-              <a:rPr lang="en-US" sz="1500" b="1" cap="all" err="1">
+              <a:rPr lang="en-US" sz="1500" b="1" cap="all" dirty="0">
                 <a:solidFill>
                   <a:srgbClr val="002060"/>
                 </a:solidFill>
                 <a:latin typeface="Times New Roman" panose="02020603050405020304" pitchFamily="18" charset="0"/>
                 <a:cs typeface="Times New Roman" panose="02020603050405020304" pitchFamily="18" charset="0"/>
               </a:rPr>
-              <a:t>Shashwat</a:t>
-            </a:r>
-            <a:r>
-              <a:rPr lang="en-US" sz="1500" b="1" cap="all">
-                <a:solidFill>
-                  <a:srgbClr val="002060"/>
-                </a:solidFill>
-                <a:latin typeface="Times New Roman" panose="02020603050405020304" pitchFamily="18" charset="0"/>
-                <a:cs typeface="Times New Roman" panose="02020603050405020304" pitchFamily="18" charset="0"/>
-              </a:rPr>
-              <a:t> Kumar - 1DS22CS199</a:t>
+              <a:t>Shashwat Kumar - 1DS22CS199</a:t>
             </a:r>
           </a:p>
           <a:p>
@@ -15682,7 +15800,7 @@
               <a:defRPr/>
             </a:pPr>
             <a:r>
-              <a:rPr lang="en-US" sz="1500" b="1" cap="all">
+              <a:rPr lang="en-US" sz="1500" b="1" cap="all" dirty="0">
                 <a:solidFill>
                   <a:srgbClr val="002060"/>
                 </a:solidFill>
@@ -16226,6 +16344,1130 @@
 </file>
 
 <file path=ppt/slides/slide10.xml><?xml version="1.0" encoding="utf-8"?>
+<p:sld xmlns:a="http://schemas.openxmlformats.org/drawingml/2006/main" xmlns:r="http://schemas.openxmlformats.org/officeDocument/2006/relationships" xmlns:p="http://schemas.openxmlformats.org/presentationml/2006/main">
+  <p:cSld>
+    <p:spTree>
+      <p:nvGrpSpPr>
+        <p:cNvPr id="1" name=""/>
+        <p:cNvGrpSpPr/>
+        <p:nvPr/>
+      </p:nvGrpSpPr>
+      <p:grpSpPr>
+        <a:xfrm>
+          <a:off x="0" y="0"/>
+          <a:ext cx="0" cy="0"/>
+          <a:chOff x="0" y="0"/>
+          <a:chExt cx="0" cy="0"/>
+        </a:xfrm>
+      </p:grpSpPr>
+      <p:sp>
+        <p:nvSpPr>
+          <p:cNvPr id="5" name="TextBox 4">
+            <a:extLst>
+              <a:ext uri="{FF2B5EF4-FFF2-40B4-BE49-F238E27FC236}">
+                <a16:creationId xmlns:a16="http://schemas.microsoft.com/office/drawing/2014/main" id="{64395882-03A9-579C-AEC8-97F64BA291BD}"/>
+              </a:ext>
+            </a:extLst>
+          </p:cNvPr>
+          <p:cNvSpPr txBox="1"/>
+          <p:nvPr/>
+        </p:nvSpPr>
+        <p:spPr>
+          <a:xfrm>
+            <a:off x="939800" y="1051004"/>
+            <a:ext cx="6096000" cy="923330"/>
+          </a:xfrm>
+          <a:prstGeom prst="rect">
+            <a:avLst/>
+          </a:prstGeom>
+          <a:noFill/>
+        </p:spPr>
+        <p:txBody>
+          <a:bodyPr wrap="square">
+            <a:spAutoFit/>
+          </a:bodyPr>
+          <a:lstStyle/>
+          <a:p>
+            <a:pPr lvl="0"/>
+            <a:r>
+              <a:rPr lang="en-US" sz="5400" b="1" dirty="0">
+                <a:solidFill>
+                  <a:schemeClr val="accent1"/>
+                </a:solidFill>
+                <a:latin typeface="Times New Roman" panose="02020603050405020304" pitchFamily="18" charset="0"/>
+                <a:cs typeface="Times New Roman" panose="02020603050405020304" pitchFamily="18" charset="0"/>
+              </a:rPr>
+              <a:t>Results</a:t>
+            </a:r>
+            <a:endParaRPr lang="en-IN" sz="5400" b="1" dirty="0">
+              <a:solidFill>
+                <a:schemeClr val="accent1"/>
+              </a:solidFill>
+              <a:latin typeface="Times New Roman" panose="02020603050405020304" pitchFamily="18" charset="0"/>
+              <a:cs typeface="Times New Roman" panose="02020603050405020304" pitchFamily="18" charset="0"/>
+            </a:endParaRPr>
+          </a:p>
+        </p:txBody>
+      </p:sp>
+      <p:sp>
+        <p:nvSpPr>
+          <p:cNvPr id="7" name="TextBox 6">
+            <a:extLst>
+              <a:ext uri="{FF2B5EF4-FFF2-40B4-BE49-F238E27FC236}">
+                <a16:creationId xmlns:a16="http://schemas.microsoft.com/office/drawing/2014/main" id="{B473CF3B-2C04-38B1-63EC-8746B8089B71}"/>
+              </a:ext>
+            </a:extLst>
+          </p:cNvPr>
+          <p:cNvSpPr txBox="1"/>
+          <p:nvPr/>
+        </p:nvSpPr>
+        <p:spPr>
+          <a:xfrm>
+            <a:off x="1143000" y="2088634"/>
+            <a:ext cx="10477500" cy="4247317"/>
+          </a:xfrm>
+          <a:prstGeom prst="rect">
+            <a:avLst/>
+          </a:prstGeom>
+          <a:noFill/>
+        </p:spPr>
+        <p:txBody>
+          <a:bodyPr wrap="square">
+            <a:spAutoFit/>
+          </a:bodyPr>
+          <a:lstStyle/>
+          <a:p>
+            <a:pPr algn="l">
+              <a:buFont typeface="Arial" panose="020B0604020202020204" pitchFamily="34" charset="0"/>
+              <a:buChar char="•"/>
+            </a:pPr>
+            <a:r>
+              <a:rPr lang="en-US" b="1" i="0" dirty="0">
+                <a:effectLst/>
+                <a:latin typeface="Söhne"/>
+              </a:rPr>
+              <a:t>Advanced Learning Tool:</a:t>
+            </a:r>
+            <a:r>
+              <a:rPr lang="en-US" b="0" i="0" dirty="0">
+                <a:effectLst/>
+                <a:latin typeface="Söhne"/>
+              </a:rPr>
+              <a:t> </a:t>
+            </a:r>
+            <a:r>
+              <a:rPr lang="en-US" b="0" i="0" dirty="0" err="1">
+                <a:effectLst/>
+                <a:latin typeface="Söhne"/>
+              </a:rPr>
+              <a:t>ClassSnap</a:t>
+            </a:r>
+            <a:r>
+              <a:rPr lang="en-US" b="0" i="0" dirty="0">
+                <a:effectLst/>
+                <a:latin typeface="Söhne"/>
+              </a:rPr>
+              <a:t> is an advanced web application focused on enhancing the learning experience for students.</a:t>
+            </a:r>
+          </a:p>
+          <a:p>
+            <a:pPr algn="l">
+              <a:buFont typeface="Arial" panose="020B0604020202020204" pitchFamily="34" charset="0"/>
+              <a:buChar char="•"/>
+            </a:pPr>
+            <a:r>
+              <a:rPr lang="en-US" b="1" i="0" dirty="0">
+                <a:effectLst/>
+                <a:latin typeface="Söhne"/>
+              </a:rPr>
+              <a:t>Personalized Access:</a:t>
+            </a:r>
+            <a:r>
+              <a:rPr lang="en-US" b="0" i="0" dirty="0">
+                <a:effectLst/>
+                <a:latin typeface="Söhne"/>
+              </a:rPr>
+              <a:t> It provides personalized dashboards for students, offering convenient access to their personal information and academic records.</a:t>
+            </a:r>
+          </a:p>
+          <a:p>
+            <a:pPr algn="l">
+              <a:buFont typeface="Arial" panose="020B0604020202020204" pitchFamily="34" charset="0"/>
+              <a:buChar char="•"/>
+            </a:pPr>
+            <a:r>
+              <a:rPr lang="en-US" b="1" i="0" dirty="0">
+                <a:effectLst/>
+                <a:latin typeface="Söhne"/>
+              </a:rPr>
+              <a:t>Automatic Note Generation:</a:t>
+            </a:r>
+            <a:r>
+              <a:rPr lang="en-US" b="0" i="0" dirty="0">
+                <a:effectLst/>
+                <a:latin typeface="Söhne"/>
+              </a:rPr>
+              <a:t> Leveraging Machine Learning algorithms and Selenium Web Driver, </a:t>
+            </a:r>
+            <a:r>
+              <a:rPr lang="en-US" b="0" i="0" dirty="0" err="1">
+                <a:effectLst/>
+                <a:latin typeface="Söhne"/>
+              </a:rPr>
+              <a:t>ClassSnap</a:t>
+            </a:r>
+            <a:r>
+              <a:rPr lang="en-US" b="0" i="0" dirty="0">
+                <a:effectLst/>
+                <a:latin typeface="Söhne"/>
+              </a:rPr>
+              <a:t> automatically generates comprehensive notes by summarizing online class presentations.</a:t>
+            </a:r>
+          </a:p>
+          <a:p>
+            <a:pPr algn="l">
+              <a:buFont typeface="Arial" panose="020B0604020202020204" pitchFamily="34" charset="0"/>
+              <a:buChar char="•"/>
+            </a:pPr>
+            <a:r>
+              <a:rPr lang="en-US" b="1" i="0" dirty="0">
+                <a:effectLst/>
+                <a:latin typeface="Söhne"/>
+              </a:rPr>
+              <a:t>Efficient Summarization:</a:t>
+            </a:r>
+            <a:r>
+              <a:rPr lang="en-US" b="0" i="0" dirty="0">
+                <a:effectLst/>
+                <a:latin typeface="Söhne"/>
+              </a:rPr>
+              <a:t> The platform intelligently condenses presentation materials, eliminating the need for manual note-taking and providing well-organized notes for efficient review.</a:t>
+            </a:r>
+          </a:p>
+          <a:p>
+            <a:pPr algn="l">
+              <a:buFont typeface="Arial" panose="020B0604020202020204" pitchFamily="34" charset="0"/>
+              <a:buChar char="•"/>
+            </a:pPr>
+            <a:r>
+              <a:rPr lang="en-US" b="1" i="0" dirty="0">
+                <a:effectLst/>
+                <a:latin typeface="Söhne"/>
+              </a:rPr>
+              <a:t>Time Savings:</a:t>
+            </a:r>
+            <a:r>
+              <a:rPr lang="en-US" b="0" i="0" dirty="0">
+                <a:effectLst/>
+                <a:latin typeface="Söhne"/>
+              </a:rPr>
+              <a:t> By automating note generation, </a:t>
+            </a:r>
+            <a:r>
+              <a:rPr lang="en-US" b="0" i="0" dirty="0" err="1">
+                <a:effectLst/>
+                <a:latin typeface="Söhne"/>
+              </a:rPr>
+              <a:t>ClassSnap</a:t>
+            </a:r>
+            <a:r>
+              <a:rPr lang="en-US" b="0" i="0" dirty="0">
+                <a:effectLst/>
+                <a:latin typeface="Söhne"/>
+              </a:rPr>
+              <a:t> contributes to time savings, allowing students to engage more deeply during classes.</a:t>
+            </a:r>
+          </a:p>
+          <a:p>
+            <a:pPr algn="l">
+              <a:buFont typeface="Arial" panose="020B0604020202020204" pitchFamily="34" charset="0"/>
+              <a:buChar char="•"/>
+            </a:pPr>
+            <a:r>
+              <a:rPr lang="en-US" b="1" i="0" dirty="0">
+                <a:effectLst/>
+                <a:latin typeface="Söhne"/>
+              </a:rPr>
+              <a:t>Enhanced Engagement:</a:t>
+            </a:r>
+            <a:r>
+              <a:rPr lang="en-US" b="0" i="0" dirty="0">
+                <a:effectLst/>
+                <a:latin typeface="Söhne"/>
+              </a:rPr>
+              <a:t> With more time for engagement, students can focus on understanding concepts rather than rushing to take notes.</a:t>
+            </a:r>
+          </a:p>
+          <a:p>
+            <a:pPr algn="l">
+              <a:buFont typeface="Arial" panose="020B0604020202020204" pitchFamily="34" charset="0"/>
+              <a:buChar char="•"/>
+            </a:pPr>
+            <a:r>
+              <a:rPr lang="en-US" b="1" i="0" dirty="0">
+                <a:effectLst/>
+                <a:latin typeface="Söhne"/>
+              </a:rPr>
+              <a:t>Student Information Hub:</a:t>
+            </a:r>
+            <a:r>
+              <a:rPr lang="en-US" b="0" i="0" dirty="0">
+                <a:effectLst/>
+                <a:latin typeface="Söhne"/>
+              </a:rPr>
+              <a:t> </a:t>
+            </a:r>
+            <a:r>
+              <a:rPr lang="en-US" b="0" i="0" dirty="0" err="1">
+                <a:effectLst/>
+                <a:latin typeface="Söhne"/>
+              </a:rPr>
+              <a:t>ClassSnap</a:t>
+            </a:r>
+            <a:r>
+              <a:rPr lang="en-US" b="0" i="0" dirty="0">
+                <a:effectLst/>
+                <a:latin typeface="Söhne"/>
+              </a:rPr>
+              <a:t> doubles as a student information management system, enabling students to access and update their records conveniently.</a:t>
+            </a:r>
+          </a:p>
+          <a:p>
+            <a:pPr lvl="0"/>
+            <a:endParaRPr lang="en-IN" dirty="0"/>
+          </a:p>
+        </p:txBody>
+      </p:sp>
+    </p:spTree>
+    <p:extLst>
+      <p:ext uri="{BB962C8B-B14F-4D97-AF65-F5344CB8AC3E}">
+        <p14:creationId xmlns:p14="http://schemas.microsoft.com/office/powerpoint/2010/main" val="3020150006"/>
+      </p:ext>
+    </p:extLst>
+  </p:cSld>
+  <p:clrMapOvr>
+    <a:masterClrMapping/>
+  </p:clrMapOvr>
+</p:sld>
+</file>
+
+<file path=ppt/slides/slide11.xml><?xml version="1.0" encoding="utf-8"?>
+<p:sld xmlns:a="http://schemas.openxmlformats.org/drawingml/2006/main" xmlns:r="http://schemas.openxmlformats.org/officeDocument/2006/relationships" xmlns:p="http://schemas.openxmlformats.org/presentationml/2006/main">
+  <p:cSld>
+    <p:bg>
+      <p:bgPr>
+        <a:solidFill>
+          <a:schemeClr val="bg1"/>
+        </a:solidFill>
+        <a:effectLst/>
+      </p:bgPr>
+    </p:bg>
+    <p:spTree>
+      <p:nvGrpSpPr>
+        <p:cNvPr id="1" name=""/>
+        <p:cNvGrpSpPr/>
+        <p:nvPr/>
+      </p:nvGrpSpPr>
+      <p:grpSpPr>
+        <a:xfrm>
+          <a:off x="0" y="0"/>
+          <a:ext cx="0" cy="0"/>
+          <a:chOff x="0" y="0"/>
+          <a:chExt cx="0" cy="0"/>
+        </a:xfrm>
+      </p:grpSpPr>
+      <p:sp>
+        <p:nvSpPr>
+          <p:cNvPr id="3" name="Content Placeholder 2">
+            <a:extLst>
+              <a:ext uri="{FF2B5EF4-FFF2-40B4-BE49-F238E27FC236}">
+                <a16:creationId xmlns:a16="http://schemas.microsoft.com/office/drawing/2014/main" id="{E00D5FA7-DEEC-7080-748E-E986A2299963}"/>
+              </a:ext>
+            </a:extLst>
+          </p:cNvPr>
+          <p:cNvSpPr>
+            <a:spLocks noGrp="1"/>
+          </p:cNvSpPr>
+          <p:nvPr>
+            <p:ph idx="1"/>
+          </p:nvPr>
+        </p:nvSpPr>
+        <p:spPr/>
+        <p:txBody>
+          <a:bodyPr vert="horz" lIns="91440" tIns="45720" rIns="91440" bIns="45720" rtlCol="0" anchor="t">
+            <a:normAutofit/>
+          </a:bodyPr>
+          <a:lstStyle/>
+          <a:p>
+            <a:pPr>
+              <a:buNone/>
+            </a:pPr>
+            <a:r>
+              <a:rPr lang="en-US">
+                <a:ea typeface="+mn-lt"/>
+                <a:cs typeface="+mn-lt"/>
+              </a:rPr>
+              <a:t>   In conclusion, </a:t>
+            </a:r>
+            <a:r>
+              <a:rPr lang="en-US" b="1">
+                <a:ea typeface="+mn-lt"/>
+                <a:cs typeface="+mn-lt"/>
+              </a:rPr>
+              <a:t>ClassSnap </a:t>
+            </a:r>
+            <a:r>
+              <a:rPr lang="en-US">
+                <a:ea typeface="+mn-lt"/>
+                <a:cs typeface="+mn-lt"/>
+              </a:rPr>
+              <a:t>is a cutting-edge web application that revolutionizes online learning by harnessing the power of Machine Learning to intelligently summarize online meetings held on platforms like Google Meet. By automating the note-taking process, </a:t>
+            </a:r>
+            <a:r>
+              <a:rPr lang="en-US" b="1">
+                <a:ea typeface="+mn-lt"/>
+                <a:cs typeface="+mn-lt"/>
+              </a:rPr>
+              <a:t>ClassSnap </a:t>
+            </a:r>
+            <a:r>
+              <a:rPr lang="en-US">
+                <a:ea typeface="+mn-lt"/>
+                <a:cs typeface="+mn-lt"/>
+              </a:rPr>
+              <a:t>empowers students to capture crucial information swiftly and effortlessly, while also offering the flexibility to review their notes anytime and anywhere. The platform's user-friendly interface and personalized dashboard provide students with easy access to their academic information and organized notes, fostering a seamless and efficient learning experience.</a:t>
+            </a:r>
+          </a:p>
+          <a:p>
+            <a:pPr>
+              <a:buNone/>
+            </a:pPr>
+            <a:endParaRPr lang="en-IN">
+              <a:ea typeface="+mn-lt"/>
+              <a:cs typeface="+mn-lt"/>
+            </a:endParaRPr>
+          </a:p>
+        </p:txBody>
+      </p:sp>
+      <p:sp>
+        <p:nvSpPr>
+          <p:cNvPr id="7" name="TextBox 6">
+            <a:extLst>
+              <a:ext uri="{FF2B5EF4-FFF2-40B4-BE49-F238E27FC236}">
+                <a16:creationId xmlns:a16="http://schemas.microsoft.com/office/drawing/2014/main" id="{D819FBE6-C6DC-CD37-DC3A-C96D55245422}"/>
+              </a:ext>
+            </a:extLst>
+          </p:cNvPr>
+          <p:cNvSpPr txBox="1"/>
+          <p:nvPr/>
+        </p:nvSpPr>
+        <p:spPr>
+          <a:xfrm>
+            <a:off x="842528" y="539068"/>
+            <a:ext cx="8786648" cy="923330"/>
+          </a:xfrm>
+          <a:prstGeom prst="rect">
+            <a:avLst/>
+          </a:prstGeom>
+          <a:noFill/>
+        </p:spPr>
+        <p:txBody>
+          <a:bodyPr rot="0" spcFirstLastPara="0" vertOverflow="overflow" horzOverflow="overflow" vert="horz" wrap="square" lIns="91440" tIns="45720" rIns="91440" bIns="45720" numCol="1" spcCol="0" rtlCol="0" fromWordArt="0" anchor="t" anchorCtr="0" forceAA="0" compatLnSpc="1">
+            <a:prstTxWarp prst="textNoShape">
+              <a:avLst/>
+            </a:prstTxWarp>
+            <a:spAutoFit/>
+          </a:bodyPr>
+          <a:lstStyle/>
+          <a:p>
+            <a:r>
+              <a:rPr lang="en-US" sz="5400" b="1">
+                <a:solidFill>
+                  <a:srgbClr val="4472C4"/>
+                </a:solidFill>
+                <a:latin typeface="Times New Roman"/>
+                <a:cs typeface="Times New Roman"/>
+              </a:rPr>
+              <a:t>Conclusion</a:t>
+            </a:r>
+          </a:p>
+        </p:txBody>
+      </p:sp>
+    </p:spTree>
+    <p:extLst>
+      <p:ext uri="{BB962C8B-B14F-4D97-AF65-F5344CB8AC3E}">
+        <p14:creationId xmlns:p14="http://schemas.microsoft.com/office/powerpoint/2010/main" val="966217903"/>
+      </p:ext>
+    </p:extLst>
+  </p:cSld>
+  <p:clrMapOvr>
+    <a:masterClrMapping/>
+  </p:clrMapOvr>
+</p:sld>
+</file>
+
+<file path=ppt/slides/slide12.xml><?xml version="1.0" encoding="utf-8"?>
+<p:sld xmlns:a="http://schemas.openxmlformats.org/drawingml/2006/main" xmlns:r="http://schemas.openxmlformats.org/officeDocument/2006/relationships" xmlns:p="http://schemas.openxmlformats.org/presentationml/2006/main">
+  <p:cSld>
+    <p:bg>
+      <p:bgPr>
+        <a:solidFill>
+          <a:schemeClr val="bg1"/>
+        </a:solidFill>
+        <a:effectLst/>
+      </p:bgPr>
+    </p:bg>
+    <p:spTree>
+      <p:nvGrpSpPr>
+        <p:cNvPr id="1" name=""/>
+        <p:cNvGrpSpPr/>
+        <p:nvPr/>
+      </p:nvGrpSpPr>
+      <p:grpSpPr>
+        <a:xfrm>
+          <a:off x="0" y="0"/>
+          <a:ext cx="0" cy="0"/>
+          <a:chOff x="0" y="0"/>
+          <a:chExt cx="0" cy="0"/>
+        </a:xfrm>
+      </p:grpSpPr>
+      <p:sp>
+        <p:nvSpPr>
+          <p:cNvPr id="3" name="TextBox 2">
+            <a:extLst>
+              <a:ext uri="{FF2B5EF4-FFF2-40B4-BE49-F238E27FC236}">
+                <a16:creationId xmlns:a16="http://schemas.microsoft.com/office/drawing/2014/main" id="{00E6F650-9D55-C978-9808-5EEFE9ED7DB2}"/>
+              </a:ext>
+            </a:extLst>
+          </p:cNvPr>
+          <p:cNvSpPr txBox="1"/>
+          <p:nvPr/>
+        </p:nvSpPr>
+        <p:spPr>
+          <a:xfrm>
+            <a:off x="1010728" y="149465"/>
+            <a:ext cx="10343072" cy="1383072"/>
+          </a:xfrm>
+          <a:prstGeom prst="rect">
+            <a:avLst/>
+          </a:prstGeom>
+        </p:spPr>
+        <p:txBody>
+          <a:bodyPr rot="0" spcFirstLastPara="0" vertOverflow="overflow" horzOverflow="overflow" vert="horz" lIns="91440" tIns="45720" rIns="91440" bIns="45720" numCol="1" spcCol="0" rtlCol="0" fromWordArt="0" anchor="ctr" anchorCtr="0" forceAA="0" compatLnSpc="1">
+            <a:prstTxWarp prst="textNoShape">
+              <a:avLst/>
+            </a:prstTxWarp>
+            <a:normAutofit/>
+          </a:bodyPr>
+          <a:lstStyle/>
+          <a:p>
+            <a:pPr>
+              <a:lnSpc>
+                <a:spcPct val="90000"/>
+              </a:lnSpc>
+              <a:spcBef>
+                <a:spcPct val="0"/>
+              </a:spcBef>
+              <a:spcAft>
+                <a:spcPts val="600"/>
+              </a:spcAft>
+            </a:pPr>
+            <a:r>
+              <a:rPr lang="en-US" sz="5400" b="1" kern="1200" dirty="0">
+                <a:solidFill>
+                  <a:schemeClr val="accent1"/>
+                </a:solidFill>
+                <a:latin typeface="Times New Roman"/>
+                <a:ea typeface="+mj-ea"/>
+                <a:cs typeface="Times New Roman"/>
+              </a:rPr>
+              <a:t>References:</a:t>
+            </a:r>
+          </a:p>
+        </p:txBody>
+      </p:sp>
+      <p:sp>
+        <p:nvSpPr>
+          <p:cNvPr id="9" name="Content Placeholder 2">
+            <a:extLst>
+              <a:ext uri="{FF2B5EF4-FFF2-40B4-BE49-F238E27FC236}">
+                <a16:creationId xmlns:a16="http://schemas.microsoft.com/office/drawing/2014/main" id="{C2E761BB-E699-1DB9-042B-2601E8D7F186}"/>
+              </a:ext>
+            </a:extLst>
+          </p:cNvPr>
+          <p:cNvSpPr txBox="1">
+            <a:spLocks/>
+          </p:cNvSpPr>
+          <p:nvPr/>
+        </p:nvSpPr>
+        <p:spPr>
+          <a:xfrm>
+            <a:off x="751935" y="1541194"/>
+            <a:ext cx="11047563" cy="5200866"/>
+          </a:xfrm>
+          <a:prstGeom prst="rect">
+            <a:avLst/>
+          </a:prstGeom>
+        </p:spPr>
+        <p:txBody>
+          <a:bodyPr vert="horz" lIns="91440" tIns="45720" rIns="91440" bIns="45720" rtlCol="0" anchor="t">
+            <a:noAutofit/>
+          </a:bodyPr>
+          <a:lstStyle>
+            <a:lvl1pPr marL="228600" indent="-228600" algn="l" defTabSz="914400" rtl="0" eaLnBrk="1" latinLnBrk="0" hangingPunct="1">
+              <a:lnSpc>
+                <a:spcPct val="90000"/>
+              </a:lnSpc>
+              <a:spcBef>
+                <a:spcPts val="1000"/>
+              </a:spcBef>
+              <a:buFont typeface="Arial" panose="020B0604020202020204" pitchFamily="34" charset="0"/>
+              <a:buChar char="•"/>
+              <a:defRPr sz="2800" kern="1200">
+                <a:solidFill>
+                  <a:schemeClr val="tx1"/>
+                </a:solidFill>
+                <a:latin typeface="+mn-lt"/>
+                <a:ea typeface="+mn-ea"/>
+                <a:cs typeface="+mn-cs"/>
+              </a:defRPr>
+            </a:lvl1pPr>
+            <a:lvl2pPr marL="685800" indent="-228600" algn="l" defTabSz="914400" rtl="0" eaLnBrk="1" latinLnBrk="0" hangingPunct="1">
+              <a:lnSpc>
+                <a:spcPct val="90000"/>
+              </a:lnSpc>
+              <a:spcBef>
+                <a:spcPts val="500"/>
+              </a:spcBef>
+              <a:buFont typeface="Arial" panose="020B0604020202020204" pitchFamily="34" charset="0"/>
+              <a:buChar char="•"/>
+              <a:defRPr sz="2400" kern="1200">
+                <a:solidFill>
+                  <a:schemeClr val="tx1"/>
+                </a:solidFill>
+                <a:latin typeface="+mn-lt"/>
+                <a:ea typeface="+mn-ea"/>
+                <a:cs typeface="+mn-cs"/>
+              </a:defRPr>
+            </a:lvl2pPr>
+            <a:lvl3pPr marL="1143000" indent="-228600" algn="l" defTabSz="914400" rtl="0" eaLnBrk="1" latinLnBrk="0" hangingPunct="1">
+              <a:lnSpc>
+                <a:spcPct val="90000"/>
+              </a:lnSpc>
+              <a:spcBef>
+                <a:spcPts val="500"/>
+              </a:spcBef>
+              <a:buFont typeface="Arial" panose="020B0604020202020204" pitchFamily="34" charset="0"/>
+              <a:buChar char="•"/>
+              <a:defRPr sz="2000" kern="1200">
+                <a:solidFill>
+                  <a:schemeClr val="tx1"/>
+                </a:solidFill>
+                <a:latin typeface="+mn-lt"/>
+                <a:ea typeface="+mn-ea"/>
+                <a:cs typeface="+mn-cs"/>
+              </a:defRPr>
+            </a:lvl3pPr>
+            <a:lvl4pPr marL="1600200" indent="-228600" algn="l" defTabSz="914400" rtl="0" eaLnBrk="1" latinLnBrk="0" hangingPunct="1">
+              <a:lnSpc>
+                <a:spcPct val="90000"/>
+              </a:lnSpc>
+              <a:spcBef>
+                <a:spcPts val="500"/>
+              </a:spcBef>
+              <a:buFont typeface="Arial" panose="020B0604020202020204" pitchFamily="34" charset="0"/>
+              <a:buChar char="•"/>
+              <a:defRPr sz="1800" kern="1200">
+                <a:solidFill>
+                  <a:schemeClr val="tx1"/>
+                </a:solidFill>
+                <a:latin typeface="+mn-lt"/>
+                <a:ea typeface="+mn-ea"/>
+                <a:cs typeface="+mn-cs"/>
+              </a:defRPr>
+            </a:lvl4pPr>
+            <a:lvl5pPr marL="2057400" indent="-228600" algn="l" defTabSz="914400" rtl="0" eaLnBrk="1" latinLnBrk="0" hangingPunct="1">
+              <a:lnSpc>
+                <a:spcPct val="90000"/>
+              </a:lnSpc>
+              <a:spcBef>
+                <a:spcPts val="500"/>
+              </a:spcBef>
+              <a:buFont typeface="Arial" panose="020B0604020202020204" pitchFamily="34" charset="0"/>
+              <a:buChar char="•"/>
+              <a:defRPr sz="1800" kern="1200">
+                <a:solidFill>
+                  <a:schemeClr val="tx1"/>
+                </a:solidFill>
+                <a:latin typeface="+mn-lt"/>
+                <a:ea typeface="+mn-ea"/>
+                <a:cs typeface="+mn-cs"/>
+              </a:defRPr>
+            </a:lvl5pPr>
+            <a:lvl6pPr marL="2514600" indent="-228600" algn="l" defTabSz="914400" rtl="0" eaLnBrk="1" latinLnBrk="0" hangingPunct="1">
+              <a:lnSpc>
+                <a:spcPct val="90000"/>
+              </a:lnSpc>
+              <a:spcBef>
+                <a:spcPts val="500"/>
+              </a:spcBef>
+              <a:buFont typeface="Arial" panose="020B0604020202020204" pitchFamily="34" charset="0"/>
+              <a:buChar char="•"/>
+              <a:defRPr sz="1800" kern="1200">
+                <a:solidFill>
+                  <a:schemeClr val="tx1"/>
+                </a:solidFill>
+                <a:latin typeface="+mn-lt"/>
+                <a:ea typeface="+mn-ea"/>
+                <a:cs typeface="+mn-cs"/>
+              </a:defRPr>
+            </a:lvl6pPr>
+            <a:lvl7pPr marL="2971800" indent="-228600" algn="l" defTabSz="914400" rtl="0" eaLnBrk="1" latinLnBrk="0" hangingPunct="1">
+              <a:lnSpc>
+                <a:spcPct val="90000"/>
+              </a:lnSpc>
+              <a:spcBef>
+                <a:spcPts val="500"/>
+              </a:spcBef>
+              <a:buFont typeface="Arial" panose="020B0604020202020204" pitchFamily="34" charset="0"/>
+              <a:buChar char="•"/>
+              <a:defRPr sz="1800" kern="1200">
+                <a:solidFill>
+                  <a:schemeClr val="tx1"/>
+                </a:solidFill>
+                <a:latin typeface="+mn-lt"/>
+                <a:ea typeface="+mn-ea"/>
+                <a:cs typeface="+mn-cs"/>
+              </a:defRPr>
+            </a:lvl7pPr>
+            <a:lvl8pPr marL="3429000" indent="-228600" algn="l" defTabSz="914400" rtl="0" eaLnBrk="1" latinLnBrk="0" hangingPunct="1">
+              <a:lnSpc>
+                <a:spcPct val="90000"/>
+              </a:lnSpc>
+              <a:spcBef>
+                <a:spcPts val="500"/>
+              </a:spcBef>
+              <a:buFont typeface="Arial" panose="020B0604020202020204" pitchFamily="34" charset="0"/>
+              <a:buChar char="•"/>
+              <a:defRPr sz="1800" kern="1200">
+                <a:solidFill>
+                  <a:schemeClr val="tx1"/>
+                </a:solidFill>
+                <a:latin typeface="+mn-lt"/>
+                <a:ea typeface="+mn-ea"/>
+                <a:cs typeface="+mn-cs"/>
+              </a:defRPr>
+            </a:lvl8pPr>
+            <a:lvl9pPr marL="3886200" indent="-228600" algn="l" defTabSz="914400" rtl="0" eaLnBrk="1" latinLnBrk="0" hangingPunct="1">
+              <a:lnSpc>
+                <a:spcPct val="90000"/>
+              </a:lnSpc>
+              <a:spcBef>
+                <a:spcPts val="500"/>
+              </a:spcBef>
+              <a:buFont typeface="Arial" panose="020B0604020202020204" pitchFamily="34" charset="0"/>
+              <a:buChar char="•"/>
+              <a:defRPr sz="1800" kern="1200">
+                <a:solidFill>
+                  <a:schemeClr val="tx1"/>
+                </a:solidFill>
+                <a:latin typeface="+mn-lt"/>
+                <a:ea typeface="+mn-ea"/>
+                <a:cs typeface="+mn-cs"/>
+              </a:defRPr>
+            </a:lvl9pPr>
+          </a:lstStyle>
+          <a:p>
+            <a:pPr>
+              <a:buNone/>
+            </a:pPr>
+            <a:r>
+              <a:rPr lang="en-US" sz="2400" dirty="0">
+                <a:latin typeface="Calibri"/>
+                <a:cs typeface="Times New Roman"/>
+              </a:rPr>
+              <a:t>[1] Rahul Joshi, S. </a:t>
+            </a:r>
+            <a:r>
+              <a:rPr lang="en-US" sz="2400" err="1">
+                <a:latin typeface="Calibri"/>
+                <a:cs typeface="Times New Roman"/>
+              </a:rPr>
+              <a:t>Gojare</a:t>
+            </a:r>
+            <a:r>
+              <a:rPr lang="en-US" sz="2400" dirty="0">
+                <a:latin typeface="Calibri"/>
+                <a:cs typeface="Times New Roman"/>
+              </a:rPr>
+              <a:t>, Analysis and Design of Selenium WebDriver Automation Testing Framework, Published in Procedia Computer Science 50, 341-346, Elsevier, 2015</a:t>
+            </a:r>
+            <a:endParaRPr lang="en-US" sz="2400">
+              <a:latin typeface="Calibri"/>
+              <a:cs typeface="Calibri"/>
+            </a:endParaRPr>
+          </a:p>
+          <a:p>
+            <a:pPr>
+              <a:buNone/>
+            </a:pPr>
+            <a:r>
+              <a:rPr lang="en-US" sz="2400" dirty="0">
+                <a:latin typeface="Calibri"/>
+                <a:cs typeface="Times New Roman"/>
+              </a:rPr>
+              <a:t>[2] SR </a:t>
+            </a:r>
+            <a:r>
+              <a:rPr lang="en-US" sz="2400" err="1">
+                <a:latin typeface="Calibri"/>
+                <a:cs typeface="Times New Roman"/>
+              </a:rPr>
+              <a:t>Bharamagoudar</a:t>
+            </a:r>
+            <a:r>
+              <a:rPr lang="en-US" sz="2400" dirty="0">
+                <a:latin typeface="Calibri"/>
+                <a:cs typeface="Times New Roman"/>
+              </a:rPr>
+              <a:t>, RB Geeta, Web based Student Information Management System, International Journal of Advanced Research, 2342-2348, 2013</a:t>
+            </a:r>
+            <a:endParaRPr lang="en-US" sz="2400">
+              <a:latin typeface="Calibri"/>
+              <a:cs typeface="Calibri"/>
+            </a:endParaRPr>
+          </a:p>
+          <a:p>
+            <a:pPr>
+              <a:buNone/>
+            </a:pPr>
+            <a:r>
+              <a:rPr lang="en-US" sz="2400" dirty="0">
+                <a:latin typeface="Calibri"/>
+                <a:cs typeface="Times New Roman"/>
+              </a:rPr>
+              <a:t>[3] L Moreno, G </a:t>
+            </a:r>
+            <a:r>
+              <a:rPr lang="en-US" sz="2400" err="1">
+                <a:latin typeface="Calibri"/>
+                <a:cs typeface="Times New Roman"/>
+              </a:rPr>
+              <a:t>Bavota</a:t>
+            </a:r>
+            <a:r>
+              <a:rPr lang="en-US" sz="2400" dirty="0">
+                <a:latin typeface="Calibri"/>
+                <a:cs typeface="Times New Roman"/>
+              </a:rPr>
+              <a:t>, Automatic Generation of Release Notes, Proceeding of 22</a:t>
+            </a:r>
+            <a:r>
+              <a:rPr lang="en-US" sz="2400" baseline="30000" dirty="0">
+                <a:latin typeface="Calibri"/>
+                <a:cs typeface="Times New Roman"/>
+              </a:rPr>
+              <a:t>nd</a:t>
+            </a:r>
+            <a:r>
+              <a:rPr lang="en-US" sz="2400" dirty="0">
+                <a:latin typeface="Calibri"/>
+                <a:cs typeface="Times New Roman"/>
+              </a:rPr>
+              <a:t> ACM </a:t>
+            </a:r>
+            <a:r>
+              <a:rPr lang="en-US" sz="2400" err="1">
+                <a:latin typeface="Calibri"/>
+                <a:cs typeface="Times New Roman"/>
+              </a:rPr>
+              <a:t>Sigsoft</a:t>
+            </a:r>
+            <a:r>
+              <a:rPr lang="en-US" sz="2400" dirty="0">
+                <a:latin typeface="Calibri"/>
+                <a:cs typeface="Times New Roman"/>
+              </a:rPr>
+              <a:t> International Symposium on Foundations of Software Engineering, 484-495, 2014</a:t>
+            </a:r>
+            <a:endParaRPr lang="en-US" sz="2400">
+              <a:latin typeface="Calibri"/>
+              <a:cs typeface="Calibri"/>
+            </a:endParaRPr>
+          </a:p>
+          <a:p>
+            <a:pPr marL="0" indent="0">
+              <a:buNone/>
+            </a:pPr>
+            <a:r>
+              <a:rPr lang="en-US" sz="2400" dirty="0">
+                <a:latin typeface="Calibri"/>
+                <a:cs typeface="Times New Roman"/>
+              </a:rPr>
+              <a:t>[4] </a:t>
+            </a:r>
+            <a:r>
+              <a:rPr lang="en-US" sz="2400" err="1">
+                <a:latin typeface="Calibri"/>
+                <a:cs typeface="Times New Roman"/>
+              </a:rPr>
+              <a:t>Parachuri</a:t>
+            </a:r>
+            <a:r>
+              <a:rPr lang="en-US" sz="2400" dirty="0">
+                <a:latin typeface="Calibri"/>
+                <a:cs typeface="Times New Roman"/>
+              </a:rPr>
+              <a:t> Ramya, Vemuri Sindhura, P Vidya, Testing using Selenium Web Driver, 2017 2</a:t>
+            </a:r>
+            <a:r>
+              <a:rPr lang="en-US" sz="2400" baseline="30000" dirty="0">
+                <a:latin typeface="Calibri"/>
+                <a:cs typeface="Times New Roman"/>
+              </a:rPr>
+              <a:t>nd</a:t>
+            </a:r>
+            <a:r>
+              <a:rPr lang="en-US" sz="2400" dirty="0">
+                <a:latin typeface="Calibri"/>
+                <a:cs typeface="Times New Roman"/>
+              </a:rPr>
+              <a:t> ICECCT, 1-7, 2017</a:t>
+            </a:r>
+            <a:endParaRPr lang="en-US" sz="2400">
+              <a:latin typeface="Calibri"/>
+              <a:cs typeface="Calibri"/>
+            </a:endParaRPr>
+          </a:p>
+        </p:txBody>
+      </p:sp>
+      <p:sp>
+        <p:nvSpPr>
+          <p:cNvPr id="5" name="Content Placeholder 2">
+            <a:extLst>
+              <a:ext uri="{FF2B5EF4-FFF2-40B4-BE49-F238E27FC236}">
+                <a16:creationId xmlns:a16="http://schemas.microsoft.com/office/drawing/2014/main" id="{57B16C81-E266-075D-EB09-7F7BA4324B5E}"/>
+              </a:ext>
+            </a:extLst>
+          </p:cNvPr>
+          <p:cNvSpPr txBox="1">
+            <a:spLocks/>
+          </p:cNvSpPr>
+          <p:nvPr/>
+        </p:nvSpPr>
+        <p:spPr>
+          <a:xfrm>
+            <a:off x="1010728" y="1796870"/>
+            <a:ext cx="10515600" cy="4351338"/>
+          </a:xfrm>
+          <a:prstGeom prst="rect">
+            <a:avLst/>
+          </a:prstGeom>
+        </p:spPr>
+        <p:txBody>
+          <a:bodyPr vert="horz" lIns="91440" tIns="45720" rIns="91440" bIns="45720" rtlCol="0" anchor="t">
+            <a:normAutofit/>
+          </a:bodyPr>
+          <a:lstStyle>
+            <a:lvl1pPr marL="228600" indent="-228600" algn="l" defTabSz="914400" rtl="0" eaLnBrk="1" latinLnBrk="0" hangingPunct="1">
+              <a:lnSpc>
+                <a:spcPct val="90000"/>
+              </a:lnSpc>
+              <a:spcBef>
+                <a:spcPts val="1000"/>
+              </a:spcBef>
+              <a:buFont typeface="Arial" panose="020B0604020202020204" pitchFamily="34" charset="0"/>
+              <a:buChar char="•"/>
+              <a:defRPr sz="2800" kern="1200">
+                <a:solidFill>
+                  <a:schemeClr val="tx1"/>
+                </a:solidFill>
+                <a:latin typeface="+mn-lt"/>
+                <a:ea typeface="+mn-ea"/>
+                <a:cs typeface="+mn-cs"/>
+              </a:defRPr>
+            </a:lvl1pPr>
+            <a:lvl2pPr marL="685800" indent="-228600" algn="l" defTabSz="914400" rtl="0" eaLnBrk="1" latinLnBrk="0" hangingPunct="1">
+              <a:lnSpc>
+                <a:spcPct val="90000"/>
+              </a:lnSpc>
+              <a:spcBef>
+                <a:spcPts val="500"/>
+              </a:spcBef>
+              <a:buFont typeface="Arial" panose="020B0604020202020204" pitchFamily="34" charset="0"/>
+              <a:buChar char="•"/>
+              <a:defRPr sz="2400" kern="1200">
+                <a:solidFill>
+                  <a:schemeClr val="tx1"/>
+                </a:solidFill>
+                <a:latin typeface="+mn-lt"/>
+                <a:ea typeface="+mn-ea"/>
+                <a:cs typeface="+mn-cs"/>
+              </a:defRPr>
+            </a:lvl2pPr>
+            <a:lvl3pPr marL="1143000" indent="-228600" algn="l" defTabSz="914400" rtl="0" eaLnBrk="1" latinLnBrk="0" hangingPunct="1">
+              <a:lnSpc>
+                <a:spcPct val="90000"/>
+              </a:lnSpc>
+              <a:spcBef>
+                <a:spcPts val="500"/>
+              </a:spcBef>
+              <a:buFont typeface="Arial" panose="020B0604020202020204" pitchFamily="34" charset="0"/>
+              <a:buChar char="•"/>
+              <a:defRPr sz="2000" kern="1200">
+                <a:solidFill>
+                  <a:schemeClr val="tx1"/>
+                </a:solidFill>
+                <a:latin typeface="+mn-lt"/>
+                <a:ea typeface="+mn-ea"/>
+                <a:cs typeface="+mn-cs"/>
+              </a:defRPr>
+            </a:lvl3pPr>
+            <a:lvl4pPr marL="1600200" indent="-228600" algn="l" defTabSz="914400" rtl="0" eaLnBrk="1" latinLnBrk="0" hangingPunct="1">
+              <a:lnSpc>
+                <a:spcPct val="90000"/>
+              </a:lnSpc>
+              <a:spcBef>
+                <a:spcPts val="500"/>
+              </a:spcBef>
+              <a:buFont typeface="Arial" panose="020B0604020202020204" pitchFamily="34" charset="0"/>
+              <a:buChar char="•"/>
+              <a:defRPr sz="1800" kern="1200">
+                <a:solidFill>
+                  <a:schemeClr val="tx1"/>
+                </a:solidFill>
+                <a:latin typeface="+mn-lt"/>
+                <a:ea typeface="+mn-ea"/>
+                <a:cs typeface="+mn-cs"/>
+              </a:defRPr>
+            </a:lvl4pPr>
+            <a:lvl5pPr marL="2057400" indent="-228600" algn="l" defTabSz="914400" rtl="0" eaLnBrk="1" latinLnBrk="0" hangingPunct="1">
+              <a:lnSpc>
+                <a:spcPct val="90000"/>
+              </a:lnSpc>
+              <a:spcBef>
+                <a:spcPts val="500"/>
+              </a:spcBef>
+              <a:buFont typeface="Arial" panose="020B0604020202020204" pitchFamily="34" charset="0"/>
+              <a:buChar char="•"/>
+              <a:defRPr sz="1800" kern="1200">
+                <a:solidFill>
+                  <a:schemeClr val="tx1"/>
+                </a:solidFill>
+                <a:latin typeface="+mn-lt"/>
+                <a:ea typeface="+mn-ea"/>
+                <a:cs typeface="+mn-cs"/>
+              </a:defRPr>
+            </a:lvl5pPr>
+            <a:lvl6pPr marL="2514600" indent="-228600" algn="l" defTabSz="914400" rtl="0" eaLnBrk="1" latinLnBrk="0" hangingPunct="1">
+              <a:lnSpc>
+                <a:spcPct val="90000"/>
+              </a:lnSpc>
+              <a:spcBef>
+                <a:spcPts val="500"/>
+              </a:spcBef>
+              <a:buFont typeface="Arial" panose="020B0604020202020204" pitchFamily="34" charset="0"/>
+              <a:buChar char="•"/>
+              <a:defRPr sz="1800" kern="1200">
+                <a:solidFill>
+                  <a:schemeClr val="tx1"/>
+                </a:solidFill>
+                <a:latin typeface="+mn-lt"/>
+                <a:ea typeface="+mn-ea"/>
+                <a:cs typeface="+mn-cs"/>
+              </a:defRPr>
+            </a:lvl6pPr>
+            <a:lvl7pPr marL="2971800" indent="-228600" algn="l" defTabSz="914400" rtl="0" eaLnBrk="1" latinLnBrk="0" hangingPunct="1">
+              <a:lnSpc>
+                <a:spcPct val="90000"/>
+              </a:lnSpc>
+              <a:spcBef>
+                <a:spcPts val="500"/>
+              </a:spcBef>
+              <a:buFont typeface="Arial" panose="020B0604020202020204" pitchFamily="34" charset="0"/>
+              <a:buChar char="•"/>
+              <a:defRPr sz="1800" kern="1200">
+                <a:solidFill>
+                  <a:schemeClr val="tx1"/>
+                </a:solidFill>
+                <a:latin typeface="+mn-lt"/>
+                <a:ea typeface="+mn-ea"/>
+                <a:cs typeface="+mn-cs"/>
+              </a:defRPr>
+            </a:lvl7pPr>
+            <a:lvl8pPr marL="3429000" indent="-228600" algn="l" defTabSz="914400" rtl="0" eaLnBrk="1" latinLnBrk="0" hangingPunct="1">
+              <a:lnSpc>
+                <a:spcPct val="90000"/>
+              </a:lnSpc>
+              <a:spcBef>
+                <a:spcPts val="500"/>
+              </a:spcBef>
+              <a:buFont typeface="Arial" panose="020B0604020202020204" pitchFamily="34" charset="0"/>
+              <a:buChar char="•"/>
+              <a:defRPr sz="1800" kern="1200">
+                <a:solidFill>
+                  <a:schemeClr val="tx1"/>
+                </a:solidFill>
+                <a:latin typeface="+mn-lt"/>
+                <a:ea typeface="+mn-ea"/>
+                <a:cs typeface="+mn-cs"/>
+              </a:defRPr>
+            </a:lvl8pPr>
+            <a:lvl9pPr marL="3886200" indent="-228600" algn="l" defTabSz="914400" rtl="0" eaLnBrk="1" latinLnBrk="0" hangingPunct="1">
+              <a:lnSpc>
+                <a:spcPct val="90000"/>
+              </a:lnSpc>
+              <a:spcBef>
+                <a:spcPts val="500"/>
+              </a:spcBef>
+              <a:buFont typeface="Arial" panose="020B0604020202020204" pitchFamily="34" charset="0"/>
+              <a:buChar char="•"/>
+              <a:defRPr sz="1800" kern="1200">
+                <a:solidFill>
+                  <a:schemeClr val="tx1"/>
+                </a:solidFill>
+                <a:latin typeface="+mn-lt"/>
+                <a:ea typeface="+mn-ea"/>
+                <a:cs typeface="+mn-cs"/>
+              </a:defRPr>
+            </a:lvl9pPr>
+          </a:lstStyle>
+          <a:p>
+            <a:pPr>
+              <a:buFont typeface="Arial" panose="020B0604020202020204" pitchFamily="34" charset="0"/>
+              <a:buNone/>
+            </a:pPr>
+            <a:endParaRPr lang="en-US">
+              <a:ea typeface="+mn-lt"/>
+              <a:cs typeface="+mn-lt"/>
+            </a:endParaRPr>
+          </a:p>
+          <a:p>
+            <a:pPr>
+              <a:buFont typeface="Arial" panose="020B0604020202020204" pitchFamily="34" charset="0"/>
+              <a:buNone/>
+            </a:pPr>
+            <a:endParaRPr lang="en-IN">
+              <a:ea typeface="+mn-lt"/>
+              <a:cs typeface="+mn-lt"/>
+            </a:endParaRPr>
+          </a:p>
+        </p:txBody>
+      </p:sp>
+    </p:spTree>
+    <p:extLst>
+      <p:ext uri="{BB962C8B-B14F-4D97-AF65-F5344CB8AC3E}">
+        <p14:creationId xmlns:p14="http://schemas.microsoft.com/office/powerpoint/2010/main" val="962783347"/>
+      </p:ext>
+    </p:extLst>
+  </p:cSld>
+  <p:clrMapOvr>
+    <a:masterClrMapping/>
+  </p:clrMapOvr>
+</p:sld>
+</file>
+
+<file path=ppt/slides/slide13.xml><?xml version="1.0" encoding="utf-8"?>
 <p:sld xmlns:a="http://schemas.openxmlformats.org/drawingml/2006/main" xmlns:r="http://schemas.openxmlformats.org/officeDocument/2006/relationships" xmlns:p="http://schemas.openxmlformats.org/presentationml/2006/main">
   <p:cSld>
     <p:bg>
@@ -16944,13 +18186,13 @@
         </p:spPr>
         <p:txBody>
           <a:bodyPr anchor="t">
-            <a:normAutofit/>
+            <a:normAutofit lnSpcReduction="10000"/>
           </a:bodyPr>
           <a:lstStyle/>
           <a:p>
             <a:pPr eaLnBrk="1" hangingPunct="1"/>
             <a:r>
-              <a:rPr lang="en-US" altLang="en-US" sz="2000">
+              <a:rPr lang="en-US" altLang="en-US" sz="2000" dirty="0">
                 <a:latin typeface="Times New Roman" panose="02020603050405020304" pitchFamily="18" charset="0"/>
                 <a:cs typeface="Times New Roman" panose="02020603050405020304" pitchFamily="18" charset="0"/>
               </a:rPr>
@@ -16960,7 +18202,7 @@
           <a:p>
             <a:pPr eaLnBrk="1" hangingPunct="1"/>
             <a:r>
-              <a:rPr lang="en-US" altLang="en-US" sz="2000">
+              <a:rPr lang="en-US" altLang="en-US" sz="2000" dirty="0">
                 <a:latin typeface="Times New Roman" panose="02020603050405020304" pitchFamily="18" charset="0"/>
                 <a:cs typeface="Times New Roman" panose="02020603050405020304" pitchFamily="18" charset="0"/>
               </a:rPr>
@@ -16970,7 +18212,7 @@
           <a:p>
             <a:pPr eaLnBrk="1" hangingPunct="1"/>
             <a:r>
-              <a:rPr lang="en-US" altLang="en-US" sz="2000">
+              <a:rPr lang="en-US" altLang="en-US" sz="2000" dirty="0">
                 <a:latin typeface="Times New Roman" panose="02020603050405020304" pitchFamily="18" charset="0"/>
                 <a:cs typeface="Times New Roman" panose="02020603050405020304" pitchFamily="18" charset="0"/>
               </a:rPr>
@@ -16980,7 +18222,17 @@
           <a:p>
             <a:pPr eaLnBrk="1" hangingPunct="1"/>
             <a:r>
-              <a:rPr lang="en-US" altLang="en-US" sz="2000">
+              <a:rPr lang="en-US" altLang="en-US" sz="2000" dirty="0">
+                <a:latin typeface="Times New Roman" panose="02020603050405020304" pitchFamily="18" charset="0"/>
+                <a:cs typeface="Times New Roman" panose="02020603050405020304" pitchFamily="18" charset="0"/>
+              </a:rPr>
+              <a:t>Objectives</a:t>
+            </a:r>
+          </a:p>
+          <a:p>
+            <a:pPr eaLnBrk="1" hangingPunct="1"/>
+            <a:r>
+              <a:rPr lang="en-US" altLang="en-US" sz="2000" dirty="0">
                 <a:latin typeface="Times New Roman" panose="02020603050405020304" pitchFamily="18" charset="0"/>
                 <a:cs typeface="Times New Roman" panose="02020603050405020304" pitchFamily="18" charset="0"/>
               </a:rPr>
@@ -16990,7 +18242,17 @@
           <a:p>
             <a:pPr eaLnBrk="1" hangingPunct="1"/>
             <a:r>
-              <a:rPr lang="en-US" altLang="en-US" sz="2000">
+              <a:rPr lang="en-US" altLang="en-US" sz="2000" dirty="0">
+                <a:latin typeface="Times New Roman" panose="02020603050405020304" pitchFamily="18" charset="0"/>
+                <a:cs typeface="Times New Roman" panose="02020603050405020304" pitchFamily="18" charset="0"/>
+              </a:rPr>
+              <a:t>Results</a:t>
+            </a:r>
+          </a:p>
+          <a:p>
+            <a:pPr eaLnBrk="1" hangingPunct="1"/>
+            <a:r>
+              <a:rPr lang="en-US" altLang="en-US" sz="2000" dirty="0">
                 <a:latin typeface="Times New Roman" panose="02020603050405020304" pitchFamily="18" charset="0"/>
                 <a:cs typeface="Times New Roman" panose="02020603050405020304" pitchFamily="18" charset="0"/>
               </a:rPr>
@@ -17000,7 +18262,7 @@
           <a:p>
             <a:pPr eaLnBrk="1" hangingPunct="1"/>
             <a:r>
-              <a:rPr lang="en-US" altLang="en-US" sz="2000">
+              <a:rPr lang="en-US" altLang="en-US" sz="2000" dirty="0">
                 <a:latin typeface="Times New Roman" panose="02020603050405020304" pitchFamily="18" charset="0"/>
                 <a:cs typeface="Times New Roman" panose="02020603050405020304" pitchFamily="18" charset="0"/>
               </a:rPr>
@@ -17009,21 +18271,21 @@
           </a:p>
           <a:p>
             <a:pPr eaLnBrk="1" hangingPunct="1"/>
-            <a:endParaRPr lang="en-US" altLang="en-US" sz="2000">
+            <a:endParaRPr lang="en-US" altLang="en-US" sz="2000" dirty="0">
               <a:latin typeface="Times New Roman" panose="02020603050405020304" pitchFamily="18" charset="0"/>
               <a:cs typeface="Times New Roman" panose="02020603050405020304" pitchFamily="18" charset="0"/>
             </a:endParaRPr>
           </a:p>
           <a:p>
             <a:pPr eaLnBrk="1" hangingPunct="1"/>
-            <a:endParaRPr lang="en-US" altLang="en-US" sz="2000">
+            <a:endParaRPr lang="en-US" altLang="en-US" sz="2000" dirty="0">
               <a:latin typeface="Times New Roman" panose="02020603050405020304" pitchFamily="18" charset="0"/>
               <a:cs typeface="Times New Roman" panose="02020603050405020304" pitchFamily="18" charset="0"/>
             </a:endParaRPr>
           </a:p>
           <a:p>
             <a:pPr eaLnBrk="1" hangingPunct="1"/>
-            <a:endParaRPr lang="en-US" altLang="en-US" sz="2000">
+            <a:endParaRPr lang="en-US" altLang="en-US" sz="2000" dirty="0">
               <a:latin typeface="Arial" panose="020B0604020202020204" pitchFamily="34" charset="0"/>
               <a:cs typeface="Arial" panose="020B0604020202020204" pitchFamily="34" charset="0"/>
             </a:endParaRPr>
@@ -17163,35 +18425,49 @@
               <a:buNone/>
             </a:pPr>
             <a:r>
-              <a:rPr lang="en-US" sz="2600">
+              <a:rPr lang="en-US" sz="2600" dirty="0">
                 <a:ea typeface="+mn-lt"/>
                 <a:cs typeface="+mn-lt"/>
               </a:rPr>
               <a:t> </a:t>
             </a:r>
             <a:r>
-              <a:rPr lang="en-US" sz="2600" b="1">
+              <a:rPr lang="en-US" sz="2600" b="1" dirty="0" err="1">
                 <a:ea typeface="+mn-lt"/>
                 <a:cs typeface="+mn-lt"/>
               </a:rPr>
-              <a:t>ClassSnap </a:t>
+              <a:t>ClassSnap</a:t>
             </a:r>
             <a:r>
-              <a:rPr lang="en-US" sz="2600">
+              <a:rPr lang="en-US" sz="2600" b="1" dirty="0">
+                <a:ea typeface="+mn-lt"/>
+                <a:cs typeface="+mn-lt"/>
+              </a:rPr>
+              <a:t> </a:t>
+            </a:r>
+            <a:r>
+              <a:rPr lang="en-US" sz="2600" dirty="0">
                 <a:ea typeface="+mn-lt"/>
                 <a:cs typeface="+mn-lt"/>
               </a:rPr>
               <a:t>is an innovative web application that leverages Machine Learning algorithms to perform intelligent summarization of online meetings conducted on platforms like Google Meet. By automating the note-taking process, </a:t>
             </a:r>
             <a:r>
-              <a:rPr lang="en-US" sz="2600" b="1">
+              <a:rPr lang="en-US" sz="2600" b="1" dirty="0" err="1">
                 <a:ea typeface="+mn-lt"/>
                 <a:cs typeface="+mn-lt"/>
               </a:rPr>
-              <a:t>ClassSnap </a:t>
+              <a:t>ClassSnap</a:t>
             </a:r>
             <a:r>
-              <a:rPr lang="en-US" sz="2600">
+              <a:rPr lang="en-US" sz="2600" b="1" dirty="0">
+                <a:ea typeface="+mn-lt"/>
+                <a:cs typeface="+mn-lt"/>
+              </a:rPr>
+              <a:t> </a:t>
+            </a:r>
+            <a:r>
+              <a:rPr lang="en-US" sz="2600" dirty="0">
                 <a:ea typeface="+mn-lt"/>
                 <a:cs typeface="+mn-lt"/>
               </a:rPr>
@@ -17202,7 +18478,7 @@
             <a:pPr algn="just">
               <a:buNone/>
             </a:pPr>
-            <a:endParaRPr lang="en-IN" sz="2600">
+            <a:endParaRPr lang="en-IN" sz="2600" dirty="0">
               <a:ea typeface="+mn-lt"/>
               <a:cs typeface="+mn-lt"/>
             </a:endParaRPr>
@@ -18482,7 +19758,7 @@
           <a:lstStyle/>
           <a:p>
             <a:r>
-              <a:rPr lang="en-US" altLang="en-US" sz="5400" b="1">
+              <a:rPr lang="en-US" altLang="en-US" sz="5400" b="1" dirty="0">
                 <a:solidFill>
                   <a:schemeClr val="accent1"/>
                 </a:solidFill>
@@ -18491,7 +19767,7 @@
               </a:rPr>
               <a:t>Problem Identification</a:t>
             </a:r>
-            <a:endParaRPr lang="en-IN" sz="5400"/>
+            <a:endParaRPr lang="en-IN" sz="5400" dirty="0"/>
           </a:p>
         </p:txBody>
       </p:sp>
@@ -18511,7 +19787,7 @@
             <p:ph idx="1"/>
             <p:extLst>
               <p:ext uri="{D42A27DB-BD31-4B8C-83A1-F6EECF244321}">
-                <p14:modId xmlns:p14="http://schemas.microsoft.com/office/powerpoint/2010/main" val="1502825142"/>
+                <p14:modId xmlns:p14="http://schemas.microsoft.com/office/powerpoint/2010/main" val="633057216"/>
               </p:ext>
             </p:extLst>
           </p:nvPr>
@@ -18540,6 +19816,225 @@
 </file>
 
 <file path=ppt/slides/slide6.xml><?xml version="1.0" encoding="utf-8"?>
+<p:sld xmlns:a="http://schemas.openxmlformats.org/drawingml/2006/main" xmlns:r="http://schemas.openxmlformats.org/officeDocument/2006/relationships" xmlns:p="http://schemas.openxmlformats.org/presentationml/2006/main">
+  <p:cSld>
+    <p:spTree>
+      <p:nvGrpSpPr>
+        <p:cNvPr id="1" name=""/>
+        <p:cNvGrpSpPr/>
+        <p:nvPr/>
+      </p:nvGrpSpPr>
+      <p:grpSpPr>
+        <a:xfrm>
+          <a:off x="0" y="0"/>
+          <a:ext cx="0" cy="0"/>
+          <a:chOff x="0" y="0"/>
+          <a:chExt cx="0" cy="0"/>
+        </a:xfrm>
+      </p:grpSpPr>
+      <p:sp>
+        <p:nvSpPr>
+          <p:cNvPr id="3" name="TextBox 2">
+            <a:extLst>
+              <a:ext uri="{FF2B5EF4-FFF2-40B4-BE49-F238E27FC236}">
+                <a16:creationId xmlns:a16="http://schemas.microsoft.com/office/drawing/2014/main" id="{BFF42144-A6A8-7E7E-831B-056A15C6710A}"/>
+              </a:ext>
+            </a:extLst>
+          </p:cNvPr>
+          <p:cNvSpPr txBox="1"/>
+          <p:nvPr/>
+        </p:nvSpPr>
+        <p:spPr>
+          <a:xfrm>
+            <a:off x="1359693" y="2079625"/>
+            <a:ext cx="9472613" cy="4127797"/>
+          </a:xfrm>
+          <a:prstGeom prst="rect">
+            <a:avLst/>
+          </a:prstGeom>
+          <a:noFill/>
+        </p:spPr>
+        <p:txBody>
+          <a:bodyPr wrap="square">
+            <a:spAutoFit/>
+          </a:bodyPr>
+          <a:lstStyle/>
+          <a:p>
+            <a:pPr marL="285750" indent="-285750">
+              <a:lnSpc>
+                <a:spcPct val="107000"/>
+              </a:lnSpc>
+              <a:spcAft>
+                <a:spcPts val="800"/>
+              </a:spcAft>
+              <a:buFont typeface="Wingdings" panose="05000000000000000000" pitchFamily="2" charset="2"/>
+              <a:buChar char="q"/>
+            </a:pPr>
+            <a:r>
+              <a:rPr lang="en-US" sz="1600" b="0" i="0" dirty="0">
+                <a:effectLst/>
+                <a:latin typeface="Arial" panose="020B0604020202020204" pitchFamily="34" charset="0"/>
+                <a:cs typeface="Arial" panose="020B0604020202020204" pitchFamily="34" charset="0"/>
+              </a:rPr>
+              <a:t>Notes Generation and Summarization: </a:t>
+            </a:r>
+            <a:r>
+              <a:rPr lang="en-US" sz="1600" b="0" i="0" dirty="0" err="1">
+                <a:effectLst/>
+                <a:latin typeface="Arial" panose="020B0604020202020204" pitchFamily="34" charset="0"/>
+                <a:cs typeface="Arial" panose="020B0604020202020204" pitchFamily="34" charset="0"/>
+              </a:rPr>
+              <a:t>ClassSnap</a:t>
+            </a:r>
+            <a:r>
+              <a:rPr lang="en-US" sz="1600" b="0" i="0" dirty="0">
+                <a:effectLst/>
+                <a:latin typeface="Arial" panose="020B0604020202020204" pitchFamily="34" charset="0"/>
+                <a:cs typeface="Arial" panose="020B0604020202020204" pitchFamily="34" charset="0"/>
+              </a:rPr>
+              <a:t> harnesses the power of Machine Learning to provide an innovative solution for students. It employs advanced algorithms to intelligently condense and summarize presentation materials from online classes. This transformative technology not only eliminates the need for laborious manual note-taking but also offers students a well-organized set of notes that are ideal for efficient review. By automating the note-taking process, </a:t>
+            </a:r>
+            <a:r>
+              <a:rPr lang="en-US" sz="1600" b="0" i="0" dirty="0" err="1">
+                <a:effectLst/>
+                <a:latin typeface="Arial" panose="020B0604020202020204" pitchFamily="34" charset="0"/>
+                <a:cs typeface="Arial" panose="020B0604020202020204" pitchFamily="34" charset="0"/>
+              </a:rPr>
+              <a:t>ClassSnap</a:t>
+            </a:r>
+            <a:r>
+              <a:rPr lang="en-US" sz="1600" b="0" i="0" dirty="0">
+                <a:effectLst/>
+                <a:latin typeface="Arial" panose="020B0604020202020204" pitchFamily="34" charset="0"/>
+                <a:cs typeface="Arial" panose="020B0604020202020204" pitchFamily="34" charset="0"/>
+              </a:rPr>
+              <a:t> contributes to time savings, enables deeper engagement during classes, and enhances the overall learning experience.</a:t>
+            </a:r>
+            <a:r>
+              <a:rPr lang="en-US" sz="1600" dirty="0">
+                <a:effectLst/>
+                <a:latin typeface="Arial" panose="020B0604020202020204" pitchFamily="34" charset="0"/>
+                <a:ea typeface="Calibri" panose="020F0502020204030204" pitchFamily="34" charset="0"/>
+                <a:cs typeface="Arial" panose="020B0604020202020204" pitchFamily="34" charset="0"/>
+              </a:rPr>
+              <a:t> </a:t>
+            </a:r>
+          </a:p>
+          <a:p>
+            <a:pPr marL="285750" indent="-285750">
+              <a:lnSpc>
+                <a:spcPct val="107000"/>
+              </a:lnSpc>
+              <a:spcAft>
+                <a:spcPts val="800"/>
+              </a:spcAft>
+              <a:buFont typeface="Wingdings" panose="05000000000000000000" pitchFamily="2" charset="2"/>
+              <a:buChar char="q"/>
+            </a:pPr>
+            <a:r>
+              <a:rPr lang="en-US" sz="1600" b="0" i="0" dirty="0">
+                <a:effectLst/>
+                <a:latin typeface="Arial" panose="020B0604020202020204" pitchFamily="34" charset="0"/>
+                <a:cs typeface="Arial" panose="020B0604020202020204" pitchFamily="34" charset="0"/>
+              </a:rPr>
+              <a:t>Student Details Management System: Alongside its note generation prowess, </a:t>
+            </a:r>
+            <a:r>
+              <a:rPr lang="en-US" sz="1600" b="0" i="0" dirty="0" err="1">
+                <a:effectLst/>
+                <a:latin typeface="Arial" panose="020B0604020202020204" pitchFamily="34" charset="0"/>
+                <a:cs typeface="Arial" panose="020B0604020202020204" pitchFamily="34" charset="0"/>
+              </a:rPr>
+              <a:t>ClassSnap</a:t>
+            </a:r>
+            <a:r>
+              <a:rPr lang="en-US" sz="1600" b="0" i="0" dirty="0">
+                <a:effectLst/>
+                <a:latin typeface="Arial" panose="020B0604020202020204" pitchFamily="34" charset="0"/>
+                <a:cs typeface="Arial" panose="020B0604020202020204" pitchFamily="34" charset="0"/>
+              </a:rPr>
+              <a:t> serves as a comprehensive online platform for managing student information. This multifunctional system offers a personalized dashboard for every student, granting them access to a range of pertinent details. The platform ensures that students can conveniently view and update their records. What distinguishes </a:t>
+            </a:r>
+            <a:r>
+              <a:rPr lang="en-US" sz="1600" b="0" i="0" dirty="0" err="1">
+                <a:effectLst/>
+                <a:latin typeface="Arial" panose="020B0604020202020204" pitchFamily="34" charset="0"/>
+                <a:cs typeface="Arial" panose="020B0604020202020204" pitchFamily="34" charset="0"/>
+              </a:rPr>
+              <a:t>ClassSnap</a:t>
+            </a:r>
+            <a:r>
+              <a:rPr lang="en-US" sz="1600" b="0" i="0" dirty="0">
+                <a:effectLst/>
+                <a:latin typeface="Arial" panose="020B0604020202020204" pitchFamily="34" charset="0"/>
+                <a:cs typeface="Arial" panose="020B0604020202020204" pitchFamily="34" charset="0"/>
+              </a:rPr>
+              <a:t> is its seamless integration of note generation capabilities with student profiles. This means that not only do students benefit from intelligent note summaries, but they can also access these notes directly from their personalized dashboards, streamlining their learning experience.</a:t>
+            </a:r>
+            <a:endParaRPr lang="en-IN" sz="1600" dirty="0">
+              <a:latin typeface="Arial" panose="020B0604020202020204" pitchFamily="34" charset="0"/>
+              <a:ea typeface="Calibri" panose="020F0502020204030204" pitchFamily="34" charset="0"/>
+              <a:cs typeface="Arial" panose="020B0604020202020204" pitchFamily="34" charset="0"/>
+            </a:endParaRPr>
+          </a:p>
+        </p:txBody>
+      </p:sp>
+      <p:sp>
+        <p:nvSpPr>
+          <p:cNvPr id="4" name="TextBox 3">
+            <a:extLst>
+              <a:ext uri="{FF2B5EF4-FFF2-40B4-BE49-F238E27FC236}">
+                <a16:creationId xmlns:a16="http://schemas.microsoft.com/office/drawing/2014/main" id="{DF089C20-BD60-94C5-0E15-B8A63B31E4D5}"/>
+              </a:ext>
+            </a:extLst>
+          </p:cNvPr>
+          <p:cNvSpPr txBox="1"/>
+          <p:nvPr/>
+        </p:nvSpPr>
+        <p:spPr>
+          <a:xfrm>
+            <a:off x="812800" y="742434"/>
+            <a:ext cx="6096000" cy="923330"/>
+          </a:xfrm>
+          <a:prstGeom prst="rect">
+            <a:avLst/>
+          </a:prstGeom>
+          <a:noFill/>
+        </p:spPr>
+        <p:txBody>
+          <a:bodyPr wrap="square">
+            <a:spAutoFit/>
+          </a:bodyPr>
+          <a:lstStyle/>
+          <a:p>
+            <a:pPr eaLnBrk="1" hangingPunct="1"/>
+            <a:r>
+              <a:rPr lang="en-US" altLang="en-US" sz="5400" b="1" dirty="0">
+                <a:solidFill>
+                  <a:schemeClr val="accent1"/>
+                </a:solidFill>
+                <a:latin typeface="Times New Roman" panose="02020603050405020304" pitchFamily="18" charset="0"/>
+                <a:cs typeface="Times New Roman" panose="02020603050405020304" pitchFamily="18" charset="0"/>
+              </a:rPr>
+              <a:t>Objectives</a:t>
+            </a:r>
+          </a:p>
+        </p:txBody>
+      </p:sp>
+    </p:spTree>
+    <p:extLst>
+      <p:ext uri="{BB962C8B-B14F-4D97-AF65-F5344CB8AC3E}">
+        <p14:creationId xmlns:p14="http://schemas.microsoft.com/office/powerpoint/2010/main" val="2792863789"/>
+      </p:ext>
+    </p:extLst>
+  </p:cSld>
+  <p:clrMapOvr>
+    <a:masterClrMapping/>
+  </p:clrMapOvr>
+</p:sld>
+</file>
+
+<file path=ppt/slides/slide7.xml><?xml version="1.0" encoding="utf-8"?>
 <p:sld xmlns:a="http://schemas.openxmlformats.org/drawingml/2006/main" xmlns:r="http://schemas.openxmlformats.org/officeDocument/2006/relationships" xmlns:p="http://schemas.openxmlformats.org/presentationml/2006/main">
   <p:cSld>
     <p:bg>
@@ -18653,7 +20148,7 @@
             <p:ph idx="1"/>
             <p:extLst>
               <p:ext uri="{D42A27DB-BD31-4B8C-83A1-F6EECF244321}">
-                <p14:modId xmlns:p14="http://schemas.microsoft.com/office/powerpoint/2010/main" val="359146246"/>
+                <p14:modId xmlns:p14="http://schemas.microsoft.com/office/powerpoint/2010/main" val="1812460062"/>
               </p:ext>
             </p:extLst>
           </p:nvPr>
@@ -18681,7 +20176,7 @@
 </p:sld>
 </file>
 
-<file path=ppt/slides/slide7.xml><?xml version="1.0" encoding="utf-8"?>
+<file path=ppt/slides/slide8.xml><?xml version="1.0" encoding="utf-8"?>
 <p:sld xmlns:a="http://schemas.openxmlformats.org/drawingml/2006/main" xmlns:r="http://schemas.openxmlformats.org/officeDocument/2006/relationships" xmlns:p="http://schemas.openxmlformats.org/presentationml/2006/main">
   <p:cSld>
     <p:spTree>
@@ -18711,7 +20206,7 @@
           <p:nvPr>
             <p:extLst>
               <p:ext uri="{D42A27DB-BD31-4B8C-83A1-F6EECF244321}">
-                <p14:modId xmlns:p14="http://schemas.microsoft.com/office/powerpoint/2010/main" val="2145355514"/>
+                <p14:modId xmlns:p14="http://schemas.microsoft.com/office/powerpoint/2010/main" val="2062122262"/>
               </p:ext>
             </p:extLst>
           </p:nvPr>
@@ -18840,17 +20335,9 @@
 </p:sld>
 </file>
 
-<file path=ppt/slides/slide8.xml><?xml version="1.0" encoding="utf-8"?>
+<file path=ppt/slides/slide9.xml><?xml version="1.0" encoding="utf-8"?>
 <p:sld xmlns:a="http://schemas.openxmlformats.org/drawingml/2006/main" xmlns:r="http://schemas.openxmlformats.org/officeDocument/2006/relationships" xmlns:p="http://schemas.openxmlformats.org/presentationml/2006/main">
   <p:cSld>
-    <p:bg>
-      <p:bgPr>
-        <a:solidFill>
-          <a:schemeClr val="bg1"/>
-        </a:solidFill>
-        <a:effectLst/>
-      </p:bgPr>
-    </p:bg>
     <p:spTree>
       <p:nvGrpSpPr>
         <p:cNvPr id="1" name=""/>
@@ -18867,83 +20354,10 @@
       </p:grpSpPr>
       <p:sp>
         <p:nvSpPr>
-          <p:cNvPr id="3" name="Content Placeholder 2">
+          <p:cNvPr id="19" name="TextBox 18">
             <a:extLst>
               <a:ext uri="{FF2B5EF4-FFF2-40B4-BE49-F238E27FC236}">
-                <a16:creationId xmlns:a16="http://schemas.microsoft.com/office/drawing/2014/main" id="{E00D5FA7-DEEC-7080-748E-E986A2299963}"/>
-              </a:ext>
-            </a:extLst>
-          </p:cNvPr>
-          <p:cNvSpPr>
-            <a:spLocks noGrp="1"/>
-          </p:cNvSpPr>
-          <p:nvPr>
-            <p:ph idx="1"/>
-          </p:nvPr>
-        </p:nvSpPr>
-        <p:spPr/>
-        <p:txBody>
-          <a:bodyPr vert="horz" lIns="91440" tIns="45720" rIns="91440" bIns="45720" rtlCol="0" anchor="t">
-            <a:normAutofit/>
-          </a:bodyPr>
-          <a:lstStyle/>
-          <a:p>
-            <a:pPr>
-              <a:buNone/>
-            </a:pPr>
-            <a:r>
-              <a:rPr lang="en-US">
-                <a:ea typeface="+mn-lt"/>
-                <a:cs typeface="+mn-lt"/>
-              </a:rPr>
-              <a:t>   In conclusion, </a:t>
-            </a:r>
-            <a:r>
-              <a:rPr lang="en-US" b="1">
-                <a:ea typeface="+mn-lt"/>
-                <a:cs typeface="+mn-lt"/>
-              </a:rPr>
-              <a:t>ClassSnap </a:t>
-            </a:r>
-            <a:r>
-              <a:rPr lang="en-US">
-                <a:ea typeface="+mn-lt"/>
-                <a:cs typeface="+mn-lt"/>
-              </a:rPr>
-              <a:t>is a cutting-edge web application that revolutionizes online learning by harnessing the power of Machine Learning to intelligently summarize online meetings held on platforms like Google Meet. By automating the note-taking process, </a:t>
-            </a:r>
-            <a:r>
-              <a:rPr lang="en-US" b="1">
-                <a:ea typeface="+mn-lt"/>
-                <a:cs typeface="+mn-lt"/>
-              </a:rPr>
-              <a:t>ClassSnap </a:t>
-            </a:r>
-            <a:r>
-              <a:rPr lang="en-US">
-                <a:ea typeface="+mn-lt"/>
-                <a:cs typeface="+mn-lt"/>
-              </a:rPr>
-              <a:t>empowers students to capture crucial information swiftly and effortlessly, while also offering the flexibility to review their notes anytime and anywhere. The platform's user-friendly interface and personalized dashboard provide students with easy access to their academic information and organized notes, fostering a seamless and efficient learning experience.</a:t>
-            </a:r>
-          </a:p>
-          <a:p>
-            <a:pPr>
-              <a:buNone/>
-            </a:pPr>
-            <a:endParaRPr lang="en-IN">
-              <a:ea typeface="+mn-lt"/>
-              <a:cs typeface="+mn-lt"/>
-            </a:endParaRPr>
-          </a:p>
-        </p:txBody>
-      </p:sp>
-      <p:sp>
-        <p:nvSpPr>
-          <p:cNvPr id="7" name="TextBox 6">
-            <a:extLst>
-              <a:ext uri="{FF2B5EF4-FFF2-40B4-BE49-F238E27FC236}">
-                <a16:creationId xmlns:a16="http://schemas.microsoft.com/office/drawing/2014/main" id="{D819FBE6-C6DC-CD37-DC3A-C96D55245422}"/>
+                <a16:creationId xmlns:a16="http://schemas.microsoft.com/office/drawing/2014/main" id="{7B6A7BCA-E497-69B2-29E8-0001D6E4FF60}"/>
               </a:ext>
             </a:extLst>
           </p:cNvPr>
@@ -18952,8 +20366,8 @@
         </p:nvSpPr>
         <p:spPr>
           <a:xfrm>
-            <a:off x="842528" y="539068"/>
-            <a:ext cx="8786648" cy="923330"/>
+            <a:off x="825500" y="1047234"/>
+            <a:ext cx="6096000" cy="923330"/>
           </a:xfrm>
           <a:prstGeom prst="rect">
             <a:avLst/>
@@ -18961,71 +20375,37 @@
           <a:noFill/>
         </p:spPr>
         <p:txBody>
-          <a:bodyPr rot="0" spcFirstLastPara="0" vertOverflow="overflow" horzOverflow="overflow" vert="horz" wrap="square" lIns="91440" tIns="45720" rIns="91440" bIns="45720" numCol="1" spcCol="0" rtlCol="0" fromWordArt="0" anchor="t" anchorCtr="0" forceAA="0" compatLnSpc="1">
-            <a:prstTxWarp prst="textNoShape">
-              <a:avLst/>
-            </a:prstTxWarp>
+          <a:bodyPr wrap="square">
             <a:spAutoFit/>
           </a:bodyPr>
           <a:lstStyle/>
           <a:p>
             <a:r>
-              <a:rPr lang="en-US" sz="5400" b="1">
+              <a:rPr lang="en-US" sz="5400" b="1" dirty="0">
                 <a:solidFill>
-                  <a:srgbClr val="4472C4"/>
+                  <a:schemeClr val="accent1"/>
                 </a:solidFill>
-                <a:latin typeface="Times New Roman"/>
-                <a:cs typeface="Times New Roman"/>
+                <a:latin typeface="Times New Roman" panose="02020603050405020304" pitchFamily="18" charset="0"/>
+                <a:cs typeface="Times New Roman" panose="02020603050405020304" pitchFamily="18" charset="0"/>
               </a:rPr>
-              <a:t>Conclusion</a:t>
+              <a:t>Contributions</a:t>
             </a:r>
+            <a:endParaRPr lang="en-IN" sz="5400" b="1" dirty="0">
+              <a:solidFill>
+                <a:schemeClr val="accent1"/>
+              </a:solidFill>
+              <a:latin typeface="Times New Roman" panose="02020603050405020304" pitchFamily="18" charset="0"/>
+              <a:cs typeface="Times New Roman" panose="02020603050405020304" pitchFamily="18" charset="0"/>
+            </a:endParaRPr>
           </a:p>
         </p:txBody>
       </p:sp>
-    </p:spTree>
-    <p:extLst>
-      <p:ext uri="{BB962C8B-B14F-4D97-AF65-F5344CB8AC3E}">
-        <p14:creationId xmlns:p14="http://schemas.microsoft.com/office/powerpoint/2010/main" val="966217903"/>
-      </p:ext>
-    </p:extLst>
-  </p:cSld>
-  <p:clrMapOvr>
-    <a:masterClrMapping/>
-  </p:clrMapOvr>
-</p:sld>
-</file>
-
-<file path=ppt/slides/slide9.xml><?xml version="1.0" encoding="utf-8"?>
-<p:sld xmlns:a="http://schemas.openxmlformats.org/drawingml/2006/main" xmlns:r="http://schemas.openxmlformats.org/officeDocument/2006/relationships" xmlns:p="http://schemas.openxmlformats.org/presentationml/2006/main">
-  <p:cSld>
-    <p:bg>
-      <p:bgPr>
-        <a:solidFill>
-          <a:schemeClr val="bg1"/>
-        </a:solidFill>
-        <a:effectLst/>
-      </p:bgPr>
-    </p:bg>
-    <p:spTree>
-      <p:nvGrpSpPr>
-        <p:cNvPr id="1" name=""/>
-        <p:cNvGrpSpPr/>
-        <p:nvPr/>
-      </p:nvGrpSpPr>
-      <p:grpSpPr>
-        <a:xfrm>
-          <a:off x="0" y="0"/>
-          <a:ext cx="0" cy="0"/>
-          <a:chOff x="0" y="0"/>
-          <a:chExt cx="0" cy="0"/>
-        </a:xfrm>
-      </p:grpSpPr>
       <p:sp>
         <p:nvSpPr>
-          <p:cNvPr id="3" name="TextBox 2">
+          <p:cNvPr id="21" name="TextBox 20">
             <a:extLst>
               <a:ext uri="{FF2B5EF4-FFF2-40B4-BE49-F238E27FC236}">
-                <a16:creationId xmlns:a16="http://schemas.microsoft.com/office/drawing/2014/main" id="{00E6F650-9D55-C978-9808-5EEFE9ED7DB2}"/>
+                <a16:creationId xmlns:a16="http://schemas.microsoft.com/office/drawing/2014/main" id="{CC6F97FF-8538-5E77-F73B-739DF55D0C33}"/>
               </a:ext>
             </a:extLst>
           </p:cNvPr>
@@ -19034,619 +20414,192 @@
         </p:nvSpPr>
         <p:spPr>
           <a:xfrm>
-            <a:off x="1010728" y="149465"/>
-            <a:ext cx="10343072" cy="1383072"/>
+            <a:off x="406400" y="2017594"/>
+            <a:ext cx="2463800" cy="800219"/>
           </a:xfrm>
           <a:prstGeom prst="rect">
             <a:avLst/>
           </a:prstGeom>
+          <a:noFill/>
         </p:spPr>
         <p:txBody>
-          <a:bodyPr rot="0" spcFirstLastPara="0" vertOverflow="overflow" horzOverflow="overflow" vert="horz" lIns="91440" tIns="45720" rIns="91440" bIns="45720" numCol="1" spcCol="0" rtlCol="0" fromWordArt="0" anchor="ctr" anchorCtr="0" forceAA="0" compatLnSpc="1">
-            <a:prstTxWarp prst="textNoShape">
-              <a:avLst/>
-            </a:prstTxWarp>
-            <a:normAutofit/>
+          <a:bodyPr wrap="square">
+            <a:spAutoFit/>
           </a:bodyPr>
           <a:lstStyle/>
           <a:p>
-            <a:pPr>
-              <a:lnSpc>
-                <a:spcPct val="90000"/>
-              </a:lnSpc>
-              <a:spcBef>
-                <a:spcPct val="0"/>
-              </a:spcBef>
-              <a:spcAft>
-                <a:spcPts val="600"/>
-              </a:spcAft>
-            </a:pPr>
             <a:r>
-              <a:rPr lang="en-US" sz="5400" b="1" kern="1200" dirty="0">
+              <a:rPr lang="en-US" sz="1400" b="1" cap="all" dirty="0">
                 <a:solidFill>
-                  <a:schemeClr val="accent1"/>
+                  <a:srgbClr val="002060"/>
                 </a:solidFill>
-                <a:latin typeface="Times New Roman"/>
-                <a:ea typeface="+mj-ea"/>
-                <a:cs typeface="Times New Roman"/>
+                <a:latin typeface="Times New Roman" panose="02020603050405020304" pitchFamily="18" charset="0"/>
+                <a:cs typeface="Times New Roman" panose="02020603050405020304" pitchFamily="18" charset="0"/>
               </a:rPr>
-              <a:t>References:</a:t>
+              <a:t>Akash Singh - 1DS22CS022</a:t>
             </a:r>
+          </a:p>
+          <a:p>
+            <a:endParaRPr lang="en-IN" dirty="0"/>
           </a:p>
         </p:txBody>
       </p:sp>
       <p:sp>
         <p:nvSpPr>
-          <p:cNvPr id="9" name="Content Placeholder 2">
+          <p:cNvPr id="23" name="TextBox 22">
             <a:extLst>
               <a:ext uri="{FF2B5EF4-FFF2-40B4-BE49-F238E27FC236}">
-                <a16:creationId xmlns:a16="http://schemas.microsoft.com/office/drawing/2014/main" id="{C2E761BB-E699-1DB9-042B-2601E8D7F186}"/>
+                <a16:creationId xmlns:a16="http://schemas.microsoft.com/office/drawing/2014/main" id="{07013136-F7CF-2CBC-AD2B-61B4CEAD2926}"/>
               </a:ext>
             </a:extLst>
           </p:cNvPr>
-          <p:cNvSpPr txBox="1">
-            <a:spLocks/>
-          </p:cNvSpPr>
+          <p:cNvSpPr txBox="1"/>
           <p:nvPr/>
         </p:nvSpPr>
         <p:spPr>
           <a:xfrm>
-            <a:off x="751935" y="1541194"/>
-            <a:ext cx="11047563" cy="5200866"/>
+            <a:off x="2981325" y="1979494"/>
+            <a:ext cx="2552700" cy="800219"/>
           </a:xfrm>
           <a:prstGeom prst="rect">
             <a:avLst/>
           </a:prstGeom>
+          <a:noFill/>
         </p:spPr>
         <p:txBody>
-          <a:bodyPr vert="horz" lIns="91440" tIns="45720" rIns="91440" bIns="45720" rtlCol="0" anchor="t">
-            <a:noAutofit/>
+          <a:bodyPr wrap="square">
+            <a:spAutoFit/>
           </a:bodyPr>
-          <a:lstStyle>
-            <a:lvl1pPr marL="228600" indent="-228600" algn="l" defTabSz="914400" rtl="0" eaLnBrk="1" latinLnBrk="0" hangingPunct="1">
-              <a:lnSpc>
-                <a:spcPct val="90000"/>
-              </a:lnSpc>
-              <a:spcBef>
-                <a:spcPts val="1000"/>
-              </a:spcBef>
-              <a:buFont typeface="Arial" panose="020B0604020202020204" pitchFamily="34" charset="0"/>
-              <a:buChar char="•"/>
-              <a:defRPr sz="2800" kern="1200">
+          <a:lstStyle/>
+          <a:p>
+            <a:r>
+              <a:rPr lang="en-US" sz="1400" b="1" cap="all" dirty="0">
                 <a:solidFill>
-                  <a:schemeClr val="tx1"/>
+                  <a:srgbClr val="002060"/>
                 </a:solidFill>
-                <a:latin typeface="+mn-lt"/>
-                <a:ea typeface="+mn-ea"/>
-                <a:cs typeface="+mn-cs"/>
-              </a:defRPr>
-            </a:lvl1pPr>
-            <a:lvl2pPr marL="685800" indent="-228600" algn="l" defTabSz="914400" rtl="0" eaLnBrk="1" latinLnBrk="0" hangingPunct="1">
-              <a:lnSpc>
-                <a:spcPct val="90000"/>
-              </a:lnSpc>
-              <a:spcBef>
-                <a:spcPts val="500"/>
-              </a:spcBef>
-              <a:buFont typeface="Arial" panose="020B0604020202020204" pitchFamily="34" charset="0"/>
-              <a:buChar char="•"/>
-              <a:defRPr sz="2400" kern="1200">
-                <a:solidFill>
-                  <a:schemeClr val="tx1"/>
-                </a:solidFill>
-                <a:latin typeface="+mn-lt"/>
-                <a:ea typeface="+mn-ea"/>
-                <a:cs typeface="+mn-cs"/>
-              </a:defRPr>
-            </a:lvl2pPr>
-            <a:lvl3pPr marL="1143000" indent="-228600" algn="l" defTabSz="914400" rtl="0" eaLnBrk="1" latinLnBrk="0" hangingPunct="1">
-              <a:lnSpc>
-                <a:spcPct val="90000"/>
-              </a:lnSpc>
-              <a:spcBef>
-                <a:spcPts val="500"/>
-              </a:spcBef>
-              <a:buFont typeface="Arial" panose="020B0604020202020204" pitchFamily="34" charset="0"/>
-              <a:buChar char="•"/>
-              <a:defRPr sz="2000" kern="1200">
-                <a:solidFill>
-                  <a:schemeClr val="tx1"/>
-                </a:solidFill>
-                <a:latin typeface="+mn-lt"/>
-                <a:ea typeface="+mn-ea"/>
-                <a:cs typeface="+mn-cs"/>
-              </a:defRPr>
-            </a:lvl3pPr>
-            <a:lvl4pPr marL="1600200" indent="-228600" algn="l" defTabSz="914400" rtl="0" eaLnBrk="1" latinLnBrk="0" hangingPunct="1">
-              <a:lnSpc>
-                <a:spcPct val="90000"/>
-              </a:lnSpc>
-              <a:spcBef>
-                <a:spcPts val="500"/>
-              </a:spcBef>
-              <a:buFont typeface="Arial" panose="020B0604020202020204" pitchFamily="34" charset="0"/>
-              <a:buChar char="•"/>
-              <a:defRPr sz="1800" kern="1200">
-                <a:solidFill>
-                  <a:schemeClr val="tx1"/>
-                </a:solidFill>
-                <a:latin typeface="+mn-lt"/>
-                <a:ea typeface="+mn-ea"/>
-                <a:cs typeface="+mn-cs"/>
-              </a:defRPr>
-            </a:lvl4pPr>
-            <a:lvl5pPr marL="2057400" indent="-228600" algn="l" defTabSz="914400" rtl="0" eaLnBrk="1" latinLnBrk="0" hangingPunct="1">
-              <a:lnSpc>
-                <a:spcPct val="90000"/>
-              </a:lnSpc>
-              <a:spcBef>
-                <a:spcPts val="500"/>
-              </a:spcBef>
-              <a:buFont typeface="Arial" panose="020B0604020202020204" pitchFamily="34" charset="0"/>
-              <a:buChar char="•"/>
-              <a:defRPr sz="1800" kern="1200">
-                <a:solidFill>
-                  <a:schemeClr val="tx1"/>
-                </a:solidFill>
-                <a:latin typeface="+mn-lt"/>
-                <a:ea typeface="+mn-ea"/>
-                <a:cs typeface="+mn-cs"/>
-              </a:defRPr>
-            </a:lvl5pPr>
-            <a:lvl6pPr marL="2514600" indent="-228600" algn="l" defTabSz="914400" rtl="0" eaLnBrk="1" latinLnBrk="0" hangingPunct="1">
-              <a:lnSpc>
-                <a:spcPct val="90000"/>
-              </a:lnSpc>
-              <a:spcBef>
-                <a:spcPts val="500"/>
-              </a:spcBef>
-              <a:buFont typeface="Arial" panose="020B0604020202020204" pitchFamily="34" charset="0"/>
-              <a:buChar char="•"/>
-              <a:defRPr sz="1800" kern="1200">
-                <a:solidFill>
-                  <a:schemeClr val="tx1"/>
-                </a:solidFill>
-                <a:latin typeface="+mn-lt"/>
-                <a:ea typeface="+mn-ea"/>
-                <a:cs typeface="+mn-cs"/>
-              </a:defRPr>
-            </a:lvl6pPr>
-            <a:lvl7pPr marL="2971800" indent="-228600" algn="l" defTabSz="914400" rtl="0" eaLnBrk="1" latinLnBrk="0" hangingPunct="1">
-              <a:lnSpc>
-                <a:spcPct val="90000"/>
-              </a:lnSpc>
-              <a:spcBef>
-                <a:spcPts val="500"/>
-              </a:spcBef>
-              <a:buFont typeface="Arial" panose="020B0604020202020204" pitchFamily="34" charset="0"/>
-              <a:buChar char="•"/>
-              <a:defRPr sz="1800" kern="1200">
-                <a:solidFill>
-                  <a:schemeClr val="tx1"/>
-                </a:solidFill>
-                <a:latin typeface="+mn-lt"/>
-                <a:ea typeface="+mn-ea"/>
-                <a:cs typeface="+mn-cs"/>
-              </a:defRPr>
-            </a:lvl7pPr>
-            <a:lvl8pPr marL="3429000" indent="-228600" algn="l" defTabSz="914400" rtl="0" eaLnBrk="1" latinLnBrk="0" hangingPunct="1">
-              <a:lnSpc>
-                <a:spcPct val="90000"/>
-              </a:lnSpc>
-              <a:spcBef>
-                <a:spcPts val="500"/>
-              </a:spcBef>
-              <a:buFont typeface="Arial" panose="020B0604020202020204" pitchFamily="34" charset="0"/>
-              <a:buChar char="•"/>
-              <a:defRPr sz="1800" kern="1200">
-                <a:solidFill>
-                  <a:schemeClr val="tx1"/>
-                </a:solidFill>
-                <a:latin typeface="+mn-lt"/>
-                <a:ea typeface="+mn-ea"/>
-                <a:cs typeface="+mn-cs"/>
-              </a:defRPr>
-            </a:lvl8pPr>
-            <a:lvl9pPr marL="3886200" indent="-228600" algn="l" defTabSz="914400" rtl="0" eaLnBrk="1" latinLnBrk="0" hangingPunct="1">
-              <a:lnSpc>
-                <a:spcPct val="90000"/>
-              </a:lnSpc>
-              <a:spcBef>
-                <a:spcPts val="500"/>
-              </a:spcBef>
-              <a:buFont typeface="Arial" panose="020B0604020202020204" pitchFamily="34" charset="0"/>
-              <a:buChar char="•"/>
-              <a:defRPr sz="1800" kern="1200">
-                <a:solidFill>
-                  <a:schemeClr val="tx1"/>
-                </a:solidFill>
-                <a:latin typeface="+mn-lt"/>
-                <a:ea typeface="+mn-ea"/>
-                <a:cs typeface="+mn-cs"/>
-              </a:defRPr>
-            </a:lvl9pPr>
-          </a:lstStyle>
-          <a:p>
-            <a:pPr>
-              <a:buNone/>
-            </a:pPr>
-            <a:r>
-              <a:rPr lang="en-US" sz="2400" dirty="0">
-                <a:latin typeface="Calibri"/>
-                <a:cs typeface="Times New Roman"/>
+                <a:latin typeface="Times New Roman" panose="02020603050405020304" pitchFamily="18" charset="0"/>
+                <a:cs typeface="Times New Roman" panose="02020603050405020304" pitchFamily="18" charset="0"/>
               </a:rPr>
-              <a:t>[1] Rahul Joshi, S. </a:t>
+              <a:t>Gautam </a:t>
             </a:r>
             <a:r>
-              <a:rPr lang="en-US" sz="2400" err="1">
-                <a:latin typeface="Calibri"/>
-                <a:cs typeface="Times New Roman"/>
+              <a:rPr lang="en-US" sz="1400" b="1" cap="all" dirty="0" err="1">
+                <a:solidFill>
+                  <a:srgbClr val="002060"/>
+                </a:solidFill>
+                <a:latin typeface="Times New Roman" panose="02020603050405020304" pitchFamily="18" charset="0"/>
+                <a:cs typeface="Times New Roman" panose="02020603050405020304" pitchFamily="18" charset="0"/>
               </a:rPr>
-              <a:t>Gojare</a:t>
+              <a:t>Shorewala</a:t>
             </a:r>
             <a:r>
-              <a:rPr lang="en-US" sz="2400" dirty="0">
-                <a:latin typeface="Calibri"/>
-                <a:cs typeface="Times New Roman"/>
+              <a:rPr lang="en-US" sz="1400" b="1" cap="all" dirty="0">
+                <a:solidFill>
+                  <a:srgbClr val="002060"/>
+                </a:solidFill>
+                <a:latin typeface="Times New Roman" panose="02020603050405020304" pitchFamily="18" charset="0"/>
+                <a:cs typeface="Times New Roman" panose="02020603050405020304" pitchFamily="18" charset="0"/>
               </a:rPr>
-              <a:t>, Analysis and Design of Selenium WebDriver Automation Testing Framework, Published in Procedia Computer Science 50, 341-346, Elsevier, 2015</a:t>
+              <a:t> - 1DS22CS082</a:t>
             </a:r>
-            <a:endParaRPr lang="en-US" sz="2400">
-              <a:latin typeface="Calibri"/>
-              <a:cs typeface="Calibri"/>
-            </a:endParaRPr>
           </a:p>
           <a:p>
-            <a:pPr>
-              <a:buNone/>
-            </a:pPr>
-            <a:r>
-              <a:rPr lang="en-US" sz="2400" dirty="0">
-                <a:latin typeface="Calibri"/>
-                <a:cs typeface="Times New Roman"/>
-              </a:rPr>
-              <a:t>[2] SR </a:t>
-            </a:r>
-            <a:r>
-              <a:rPr lang="en-US" sz="2400" err="1">
-                <a:latin typeface="Calibri"/>
-                <a:cs typeface="Times New Roman"/>
-              </a:rPr>
-              <a:t>Bharamagoudar</a:t>
-            </a:r>
-            <a:r>
-              <a:rPr lang="en-US" sz="2400" dirty="0">
-                <a:latin typeface="Calibri"/>
-                <a:cs typeface="Times New Roman"/>
-              </a:rPr>
-              <a:t>, RB Geeta, Web based Student Information Management System, International Journal of Advanced Research, 2342-2348, 2013</a:t>
-            </a:r>
-            <a:endParaRPr lang="en-US" sz="2400">
-              <a:latin typeface="Calibri"/>
-              <a:cs typeface="Calibri"/>
-            </a:endParaRPr>
-          </a:p>
-          <a:p>
-            <a:pPr>
-              <a:buNone/>
-            </a:pPr>
-            <a:r>
-              <a:rPr lang="en-US" sz="2400" dirty="0">
-                <a:latin typeface="Calibri"/>
-                <a:cs typeface="Times New Roman"/>
-              </a:rPr>
-              <a:t>[3] L Moreno, G </a:t>
-            </a:r>
-            <a:r>
-              <a:rPr lang="en-US" sz="2400" err="1">
-                <a:latin typeface="Calibri"/>
-                <a:cs typeface="Times New Roman"/>
-              </a:rPr>
-              <a:t>Bavota</a:t>
-            </a:r>
-            <a:r>
-              <a:rPr lang="en-US" sz="2400" dirty="0">
-                <a:latin typeface="Calibri"/>
-                <a:cs typeface="Times New Roman"/>
-              </a:rPr>
-              <a:t>, Automatic Generation of Release Notes, Proceeding of 22</a:t>
-            </a:r>
-            <a:r>
-              <a:rPr lang="en-US" sz="2400" baseline="30000" dirty="0">
-                <a:latin typeface="Calibri"/>
-                <a:cs typeface="Times New Roman"/>
-              </a:rPr>
-              <a:t>nd</a:t>
-            </a:r>
-            <a:r>
-              <a:rPr lang="en-US" sz="2400" dirty="0">
-                <a:latin typeface="Calibri"/>
-                <a:cs typeface="Times New Roman"/>
-              </a:rPr>
-              <a:t> ACM </a:t>
-            </a:r>
-            <a:r>
-              <a:rPr lang="en-US" sz="2400" err="1">
-                <a:latin typeface="Calibri"/>
-                <a:cs typeface="Times New Roman"/>
-              </a:rPr>
-              <a:t>Sigsoft</a:t>
-            </a:r>
-            <a:r>
-              <a:rPr lang="en-US" sz="2400" dirty="0">
-                <a:latin typeface="Calibri"/>
-                <a:cs typeface="Times New Roman"/>
-              </a:rPr>
-              <a:t> International Symposium on Foundations of Software Engineering, 484-495, 2014</a:t>
-            </a:r>
-            <a:endParaRPr lang="en-US" sz="2400">
-              <a:latin typeface="Calibri"/>
-              <a:cs typeface="Calibri"/>
-            </a:endParaRPr>
-          </a:p>
-          <a:p>
-            <a:pPr marL="0" indent="0">
-              <a:buNone/>
-            </a:pPr>
-            <a:r>
-              <a:rPr lang="en-US" sz="2400" dirty="0">
-                <a:latin typeface="Calibri"/>
-                <a:cs typeface="Times New Roman"/>
-              </a:rPr>
-              <a:t>[4] </a:t>
-            </a:r>
-            <a:r>
-              <a:rPr lang="en-US" sz="2400" err="1">
-                <a:latin typeface="Calibri"/>
-                <a:cs typeface="Times New Roman"/>
-              </a:rPr>
-              <a:t>Parachuri</a:t>
-            </a:r>
-            <a:r>
-              <a:rPr lang="en-US" sz="2400" dirty="0">
-                <a:latin typeface="Calibri"/>
-                <a:cs typeface="Times New Roman"/>
-              </a:rPr>
-              <a:t> Ramya, Vemuri Sindhura, P Vidya, Testing using Selenium Web Driver, 2017 2</a:t>
-            </a:r>
-            <a:r>
-              <a:rPr lang="en-US" sz="2400" baseline="30000" dirty="0">
-                <a:latin typeface="Calibri"/>
-                <a:cs typeface="Times New Roman"/>
-              </a:rPr>
-              <a:t>nd</a:t>
-            </a:r>
-            <a:r>
-              <a:rPr lang="en-US" sz="2400" dirty="0">
-                <a:latin typeface="Calibri"/>
-                <a:cs typeface="Times New Roman"/>
-              </a:rPr>
-              <a:t> ICECCT, 1-7, 2017</a:t>
-            </a:r>
-            <a:endParaRPr lang="en-US" sz="2400">
-              <a:latin typeface="Calibri"/>
-              <a:cs typeface="Calibri"/>
-            </a:endParaRPr>
+            <a:endParaRPr lang="en-IN" dirty="0"/>
           </a:p>
         </p:txBody>
       </p:sp>
       <p:sp>
         <p:nvSpPr>
-          <p:cNvPr id="5" name="Content Placeholder 2">
+          <p:cNvPr id="25" name="TextBox 24">
             <a:extLst>
               <a:ext uri="{FF2B5EF4-FFF2-40B4-BE49-F238E27FC236}">
-                <a16:creationId xmlns:a16="http://schemas.microsoft.com/office/drawing/2014/main" id="{57B16C81-E266-075D-EB09-7F7BA4324B5E}"/>
+                <a16:creationId xmlns:a16="http://schemas.microsoft.com/office/drawing/2014/main" id="{672A334A-D77B-5127-2ADF-A43595378DD5}"/>
               </a:ext>
             </a:extLst>
           </p:cNvPr>
-          <p:cNvSpPr txBox="1">
-            <a:spLocks/>
-          </p:cNvSpPr>
+          <p:cNvSpPr txBox="1"/>
           <p:nvPr/>
         </p:nvSpPr>
         <p:spPr>
           <a:xfrm>
-            <a:off x="1010728" y="1796870"/>
-            <a:ext cx="10515600" cy="4351338"/>
+            <a:off x="8280400" y="1956832"/>
+            <a:ext cx="2552700" cy="800219"/>
           </a:xfrm>
           <a:prstGeom prst="rect">
             <a:avLst/>
           </a:prstGeom>
+          <a:noFill/>
         </p:spPr>
         <p:txBody>
-          <a:bodyPr vert="horz" lIns="91440" tIns="45720" rIns="91440" bIns="45720" rtlCol="0" anchor="t">
-            <a:normAutofit/>
+          <a:bodyPr wrap="square">
+            <a:spAutoFit/>
           </a:bodyPr>
-          <a:lstStyle>
-            <a:lvl1pPr marL="228600" indent="-228600" algn="l" defTabSz="914400" rtl="0" eaLnBrk="1" latinLnBrk="0" hangingPunct="1">
-              <a:lnSpc>
-                <a:spcPct val="90000"/>
-              </a:lnSpc>
-              <a:spcBef>
-                <a:spcPts val="1000"/>
-              </a:spcBef>
-              <a:buFont typeface="Arial" panose="020B0604020202020204" pitchFamily="34" charset="0"/>
-              <a:buChar char="•"/>
-              <a:defRPr sz="2800" kern="1200">
+          <a:lstStyle/>
+          <a:p>
+            <a:r>
+              <a:rPr lang="en-US" sz="1400" b="1" cap="all" dirty="0">
                 <a:solidFill>
-                  <a:schemeClr val="tx1"/>
+                  <a:srgbClr val="002060"/>
                 </a:solidFill>
-                <a:latin typeface="+mn-lt"/>
-                <a:ea typeface="+mn-ea"/>
-                <a:cs typeface="+mn-cs"/>
-              </a:defRPr>
-            </a:lvl1pPr>
-            <a:lvl2pPr marL="685800" indent="-228600" algn="l" defTabSz="914400" rtl="0" eaLnBrk="1" latinLnBrk="0" hangingPunct="1">
-              <a:lnSpc>
-                <a:spcPct val="90000"/>
-              </a:lnSpc>
-              <a:spcBef>
-                <a:spcPts val="500"/>
-              </a:spcBef>
-              <a:buFont typeface="Arial" panose="020B0604020202020204" pitchFamily="34" charset="0"/>
-              <a:buChar char="•"/>
-              <a:defRPr sz="2400" kern="1200">
-                <a:solidFill>
-                  <a:schemeClr val="tx1"/>
-                </a:solidFill>
-                <a:latin typeface="+mn-lt"/>
-                <a:ea typeface="+mn-ea"/>
-                <a:cs typeface="+mn-cs"/>
-              </a:defRPr>
-            </a:lvl2pPr>
-            <a:lvl3pPr marL="1143000" indent="-228600" algn="l" defTabSz="914400" rtl="0" eaLnBrk="1" latinLnBrk="0" hangingPunct="1">
-              <a:lnSpc>
-                <a:spcPct val="90000"/>
-              </a:lnSpc>
-              <a:spcBef>
-                <a:spcPts val="500"/>
-              </a:spcBef>
-              <a:buFont typeface="Arial" panose="020B0604020202020204" pitchFamily="34" charset="0"/>
-              <a:buChar char="•"/>
-              <a:defRPr sz="2000" kern="1200">
-                <a:solidFill>
-                  <a:schemeClr val="tx1"/>
-                </a:solidFill>
-                <a:latin typeface="+mn-lt"/>
-                <a:ea typeface="+mn-ea"/>
-                <a:cs typeface="+mn-cs"/>
-              </a:defRPr>
-            </a:lvl3pPr>
-            <a:lvl4pPr marL="1600200" indent="-228600" algn="l" defTabSz="914400" rtl="0" eaLnBrk="1" latinLnBrk="0" hangingPunct="1">
-              <a:lnSpc>
-                <a:spcPct val="90000"/>
-              </a:lnSpc>
-              <a:spcBef>
-                <a:spcPts val="500"/>
-              </a:spcBef>
-              <a:buFont typeface="Arial" panose="020B0604020202020204" pitchFamily="34" charset="0"/>
-              <a:buChar char="•"/>
-              <a:defRPr sz="1800" kern="1200">
-                <a:solidFill>
-                  <a:schemeClr val="tx1"/>
-                </a:solidFill>
-                <a:latin typeface="+mn-lt"/>
-                <a:ea typeface="+mn-ea"/>
-                <a:cs typeface="+mn-cs"/>
-              </a:defRPr>
-            </a:lvl4pPr>
-            <a:lvl5pPr marL="2057400" indent="-228600" algn="l" defTabSz="914400" rtl="0" eaLnBrk="1" latinLnBrk="0" hangingPunct="1">
-              <a:lnSpc>
-                <a:spcPct val="90000"/>
-              </a:lnSpc>
-              <a:spcBef>
-                <a:spcPts val="500"/>
-              </a:spcBef>
-              <a:buFont typeface="Arial" panose="020B0604020202020204" pitchFamily="34" charset="0"/>
-              <a:buChar char="•"/>
-              <a:defRPr sz="1800" kern="1200">
-                <a:solidFill>
-                  <a:schemeClr val="tx1"/>
-                </a:solidFill>
-                <a:latin typeface="+mn-lt"/>
-                <a:ea typeface="+mn-ea"/>
-                <a:cs typeface="+mn-cs"/>
-              </a:defRPr>
-            </a:lvl5pPr>
-            <a:lvl6pPr marL="2514600" indent="-228600" algn="l" defTabSz="914400" rtl="0" eaLnBrk="1" latinLnBrk="0" hangingPunct="1">
-              <a:lnSpc>
-                <a:spcPct val="90000"/>
-              </a:lnSpc>
-              <a:spcBef>
-                <a:spcPts val="500"/>
-              </a:spcBef>
-              <a:buFont typeface="Arial" panose="020B0604020202020204" pitchFamily="34" charset="0"/>
-              <a:buChar char="•"/>
-              <a:defRPr sz="1800" kern="1200">
-                <a:solidFill>
-                  <a:schemeClr val="tx1"/>
-                </a:solidFill>
-                <a:latin typeface="+mn-lt"/>
-                <a:ea typeface="+mn-ea"/>
-                <a:cs typeface="+mn-cs"/>
-              </a:defRPr>
-            </a:lvl6pPr>
-            <a:lvl7pPr marL="2971800" indent="-228600" algn="l" defTabSz="914400" rtl="0" eaLnBrk="1" latinLnBrk="0" hangingPunct="1">
-              <a:lnSpc>
-                <a:spcPct val="90000"/>
-              </a:lnSpc>
-              <a:spcBef>
-                <a:spcPts val="500"/>
-              </a:spcBef>
-              <a:buFont typeface="Arial" panose="020B0604020202020204" pitchFamily="34" charset="0"/>
-              <a:buChar char="•"/>
-              <a:defRPr sz="1800" kern="1200">
-                <a:solidFill>
-                  <a:schemeClr val="tx1"/>
-                </a:solidFill>
-                <a:latin typeface="+mn-lt"/>
-                <a:ea typeface="+mn-ea"/>
-                <a:cs typeface="+mn-cs"/>
-              </a:defRPr>
-            </a:lvl7pPr>
-            <a:lvl8pPr marL="3429000" indent="-228600" algn="l" defTabSz="914400" rtl="0" eaLnBrk="1" latinLnBrk="0" hangingPunct="1">
-              <a:lnSpc>
-                <a:spcPct val="90000"/>
-              </a:lnSpc>
-              <a:spcBef>
-                <a:spcPts val="500"/>
-              </a:spcBef>
-              <a:buFont typeface="Arial" panose="020B0604020202020204" pitchFamily="34" charset="0"/>
-              <a:buChar char="•"/>
-              <a:defRPr sz="1800" kern="1200">
-                <a:solidFill>
-                  <a:schemeClr val="tx1"/>
-                </a:solidFill>
-                <a:latin typeface="+mn-lt"/>
-                <a:ea typeface="+mn-ea"/>
-                <a:cs typeface="+mn-cs"/>
-              </a:defRPr>
-            </a:lvl8pPr>
-            <a:lvl9pPr marL="3886200" indent="-228600" algn="l" defTabSz="914400" rtl="0" eaLnBrk="1" latinLnBrk="0" hangingPunct="1">
-              <a:lnSpc>
-                <a:spcPct val="90000"/>
-              </a:lnSpc>
-              <a:spcBef>
-                <a:spcPts val="500"/>
-              </a:spcBef>
-              <a:buFont typeface="Arial" panose="020B0604020202020204" pitchFamily="34" charset="0"/>
-              <a:buChar char="•"/>
-              <a:defRPr sz="1800" kern="1200">
-                <a:solidFill>
-                  <a:schemeClr val="tx1"/>
-                </a:solidFill>
-                <a:latin typeface="+mn-lt"/>
-                <a:ea typeface="+mn-ea"/>
-                <a:cs typeface="+mn-cs"/>
-              </a:defRPr>
-            </a:lvl9pPr>
-          </a:lstStyle>
-          <a:p>
-            <a:pPr>
-              <a:buFont typeface="Arial" panose="020B0604020202020204" pitchFamily="34" charset="0"/>
-              <a:buNone/>
-            </a:pPr>
-            <a:endParaRPr lang="en-US">
-              <a:ea typeface="+mn-lt"/>
-              <a:cs typeface="+mn-lt"/>
-            </a:endParaRPr>
+                <a:latin typeface="Times New Roman" panose="02020603050405020304" pitchFamily="18" charset="0"/>
+                <a:cs typeface="Times New Roman" panose="02020603050405020304" pitchFamily="18" charset="0"/>
+              </a:rPr>
+              <a:t>Shivansh Karan - 1DS22CS202</a:t>
+            </a:r>
           </a:p>
           <a:p>
-            <a:pPr>
-              <a:buFont typeface="Arial" panose="020B0604020202020204" pitchFamily="34" charset="0"/>
-              <a:buNone/>
-            </a:pPr>
-            <a:endParaRPr lang="en-IN">
-              <a:ea typeface="+mn-lt"/>
-              <a:cs typeface="+mn-lt"/>
-            </a:endParaRPr>
+            <a:endParaRPr lang="en-IN" dirty="0"/>
+          </a:p>
+        </p:txBody>
+      </p:sp>
+      <p:sp>
+        <p:nvSpPr>
+          <p:cNvPr id="27" name="TextBox 26">
+            <a:extLst>
+              <a:ext uri="{FF2B5EF4-FFF2-40B4-BE49-F238E27FC236}">
+                <a16:creationId xmlns:a16="http://schemas.microsoft.com/office/drawing/2014/main" id="{06941653-B0B7-2C1F-C451-FC7F40D05518}"/>
+              </a:ext>
+            </a:extLst>
+          </p:cNvPr>
+          <p:cNvSpPr txBox="1"/>
+          <p:nvPr/>
+        </p:nvSpPr>
+        <p:spPr>
+          <a:xfrm>
+            <a:off x="5645150" y="1956832"/>
+            <a:ext cx="2552700" cy="800219"/>
+          </a:xfrm>
+          <a:prstGeom prst="rect">
+            <a:avLst/>
+          </a:prstGeom>
+          <a:noFill/>
+        </p:spPr>
+        <p:txBody>
+          <a:bodyPr wrap="square">
+            <a:spAutoFit/>
+          </a:bodyPr>
+          <a:lstStyle/>
+          <a:p>
+            <a:r>
+              <a:rPr lang="en-US" sz="1400" b="1" cap="all" dirty="0">
+                <a:solidFill>
+                  <a:srgbClr val="002060"/>
+                </a:solidFill>
+                <a:latin typeface="Times New Roman" panose="02020603050405020304" pitchFamily="18" charset="0"/>
+                <a:cs typeface="Times New Roman" panose="02020603050405020304" pitchFamily="18" charset="0"/>
+              </a:rPr>
+              <a:t>Shashwat Kumar - 1DS22CS199</a:t>
+            </a:r>
+          </a:p>
+          <a:p>
+            <a:endParaRPr lang="en-IN" dirty="0"/>
           </a:p>
         </p:txBody>
       </p:sp>
     </p:spTree>
     <p:extLst>
       <p:ext uri="{BB962C8B-B14F-4D97-AF65-F5344CB8AC3E}">
-        <p14:creationId xmlns:p14="http://schemas.microsoft.com/office/powerpoint/2010/main" val="962783347"/>
+        <p14:creationId xmlns:p14="http://schemas.microsoft.com/office/powerpoint/2010/main" val="2976212839"/>
       </p:ext>
     </p:extLst>
   </p:cSld>

--- a/Documents/ClassSnap.pptx
+++ b/Documents/ClassSnap.pptx
@@ -18186,7 +18186,7 @@
         </p:spPr>
         <p:txBody>
           <a:bodyPr anchor="t">
-            <a:normAutofit lnSpcReduction="10000"/>
+            <a:normAutofit fontScale="85000" lnSpcReduction="20000"/>
           </a:bodyPr>
           <a:lstStyle/>
           <a:p>
@@ -18236,7 +18236,27 @@
                 <a:latin typeface="Times New Roman" panose="02020603050405020304" pitchFamily="18" charset="0"/>
                 <a:cs typeface="Times New Roman" panose="02020603050405020304" pitchFamily="18" charset="0"/>
               </a:rPr>
-              <a:t>Methodology and Proposed System(With Flow diagram)</a:t>
+              <a:t>Methodology</a:t>
+            </a:r>
+          </a:p>
+          <a:p>
+            <a:pPr eaLnBrk="1" hangingPunct="1"/>
+            <a:r>
+              <a:rPr lang="en-US" altLang="en-US" sz="2000" dirty="0">
+                <a:latin typeface="Times New Roman" panose="02020603050405020304" pitchFamily="18" charset="0"/>
+                <a:cs typeface="Times New Roman" panose="02020603050405020304" pitchFamily="18" charset="0"/>
+              </a:rPr>
+              <a:t>Proposed System(With Flow diagram)</a:t>
+            </a:r>
+          </a:p>
+          <a:p>
+            <a:pPr eaLnBrk="1" hangingPunct="1"/>
+            <a:r>
+              <a:rPr lang="en-US" altLang="en-US" sz="2000" dirty="0">
+                <a:latin typeface="Times New Roman" panose="02020603050405020304" pitchFamily="18" charset="0"/>
+                <a:cs typeface="Times New Roman" panose="02020603050405020304" pitchFamily="18" charset="0"/>
+              </a:rPr>
+              <a:t>Contributions</a:t>
             </a:r>
           </a:p>
           <a:p>
@@ -20366,7 +20386,7 @@
         </p:nvSpPr>
         <p:spPr>
           <a:xfrm>
-            <a:off x="825500" y="1047234"/>
+            <a:off x="406400" y="590034"/>
             <a:ext cx="6096000" cy="923330"/>
           </a:xfrm>
           <a:prstGeom prst="rect">
@@ -20415,7 +20435,7 @@
         <p:spPr>
           <a:xfrm>
             <a:off x="406400" y="2017594"/>
-            <a:ext cx="2463800" cy="800219"/>
+            <a:ext cx="2463800" cy="2092881"/>
           </a:xfrm>
           <a:prstGeom prst="rect">
             <a:avLst/>
@@ -20438,6 +20458,60 @@
               </a:rPr>
               <a:t>Akash Singh - 1DS22CS022</a:t>
             </a:r>
+          </a:p>
+          <a:p>
+            <a:endParaRPr lang="en-US" sz="1400" b="1" cap="all" dirty="0">
+              <a:solidFill>
+                <a:srgbClr val="002060"/>
+              </a:solidFill>
+              <a:latin typeface="Times New Roman" panose="02020603050405020304" pitchFamily="18" charset="0"/>
+              <a:cs typeface="Times New Roman" panose="02020603050405020304" pitchFamily="18" charset="0"/>
+            </a:endParaRPr>
+          </a:p>
+          <a:p>
+            <a:endParaRPr lang="en-US" sz="1400" b="1" cap="all" dirty="0">
+              <a:solidFill>
+                <a:srgbClr val="002060"/>
+              </a:solidFill>
+              <a:latin typeface="Times New Roman" panose="02020603050405020304" pitchFamily="18" charset="0"/>
+              <a:cs typeface="Times New Roman" panose="02020603050405020304" pitchFamily="18" charset="0"/>
+            </a:endParaRPr>
+          </a:p>
+          <a:p>
+            <a:endParaRPr lang="en-US" sz="1400" b="1" cap="all" dirty="0">
+              <a:solidFill>
+                <a:srgbClr val="002060"/>
+              </a:solidFill>
+              <a:latin typeface="Times New Roman" panose="02020603050405020304" pitchFamily="18" charset="0"/>
+              <a:cs typeface="Times New Roman" panose="02020603050405020304" pitchFamily="18" charset="0"/>
+            </a:endParaRPr>
+          </a:p>
+          <a:p>
+            <a:endParaRPr lang="en-US" sz="1400" b="1" cap="all" dirty="0">
+              <a:solidFill>
+                <a:srgbClr val="002060"/>
+              </a:solidFill>
+              <a:latin typeface="Times New Roman" panose="02020603050405020304" pitchFamily="18" charset="0"/>
+              <a:cs typeface="Times New Roman" panose="02020603050405020304" pitchFamily="18" charset="0"/>
+            </a:endParaRPr>
+          </a:p>
+          <a:p>
+            <a:endParaRPr lang="en-US" sz="1400" b="1" cap="all" dirty="0">
+              <a:solidFill>
+                <a:srgbClr val="002060"/>
+              </a:solidFill>
+              <a:latin typeface="Times New Roman" panose="02020603050405020304" pitchFamily="18" charset="0"/>
+              <a:cs typeface="Times New Roman" panose="02020603050405020304" pitchFamily="18" charset="0"/>
+            </a:endParaRPr>
+          </a:p>
+          <a:p>
+            <a:endParaRPr lang="en-US" sz="1400" b="1" cap="all" dirty="0">
+              <a:solidFill>
+                <a:srgbClr val="002060"/>
+              </a:solidFill>
+              <a:latin typeface="Times New Roman" panose="02020603050405020304" pitchFamily="18" charset="0"/>
+              <a:cs typeface="Times New Roman" panose="02020603050405020304" pitchFamily="18" charset="0"/>
+            </a:endParaRPr>
           </a:p>
           <a:p>
             <a:endParaRPr lang="en-IN" dirty="0"/>
@@ -20593,6 +20667,322 @@
           </a:p>
           <a:p>
             <a:endParaRPr lang="en-IN" dirty="0"/>
+          </a:p>
+        </p:txBody>
+      </p:sp>
+      <p:sp>
+        <p:nvSpPr>
+          <p:cNvPr id="4" name="TextBox 3">
+            <a:extLst>
+              <a:ext uri="{FF2B5EF4-FFF2-40B4-BE49-F238E27FC236}">
+                <a16:creationId xmlns:a16="http://schemas.microsoft.com/office/drawing/2014/main" id="{02738341-C96D-8071-9540-31551CDEA1C6}"/>
+              </a:ext>
+            </a:extLst>
+          </p:cNvPr>
+          <p:cNvSpPr txBox="1"/>
+          <p:nvPr/>
+        </p:nvSpPr>
+        <p:spPr>
+          <a:xfrm>
+            <a:off x="406400" y="2624265"/>
+            <a:ext cx="2358136" cy="3785652"/>
+          </a:xfrm>
+          <a:prstGeom prst="rect">
+            <a:avLst/>
+          </a:prstGeom>
+          <a:noFill/>
+        </p:spPr>
+        <p:txBody>
+          <a:bodyPr wrap="square" rtlCol="0">
+            <a:spAutoFit/>
+          </a:bodyPr>
+          <a:lstStyle/>
+          <a:p>
+            <a:pPr marL="171450" indent="-171450">
+              <a:buFont typeface="Arial" panose="020B0604020202020204" pitchFamily="34" charset="0"/>
+              <a:buChar char="•"/>
+            </a:pPr>
+            <a:r>
+              <a:rPr lang="en-IN" sz="1500" dirty="0"/>
+              <a:t>Worked on the Selenium Web Driver </a:t>
+            </a:r>
+            <a:r>
+              <a:rPr lang="en-IN" sz="1500" dirty="0" err="1"/>
+              <a:t>inorder</a:t>
+            </a:r>
+            <a:r>
+              <a:rPr lang="en-IN" sz="1500" dirty="0"/>
+              <a:t> to join the google meet automatically, record the lecture and save the recording.</a:t>
+            </a:r>
+          </a:p>
+          <a:p>
+            <a:pPr marL="171450" indent="-171450">
+              <a:buFont typeface="Arial" panose="020B0604020202020204" pitchFamily="34" charset="0"/>
+              <a:buChar char="•"/>
+            </a:pPr>
+            <a:r>
+              <a:rPr lang="en-IN" sz="1500" dirty="0"/>
+              <a:t>Worked on the Frontend for website, Prepared user dashboard.</a:t>
+            </a:r>
+          </a:p>
+          <a:p>
+            <a:pPr marL="171450" indent="-171450">
+              <a:buFont typeface="Arial" panose="020B0604020202020204" pitchFamily="34" charset="0"/>
+              <a:buChar char="•"/>
+            </a:pPr>
+            <a:r>
+              <a:rPr lang="en-IN" sz="1500" dirty="0"/>
+              <a:t>Worked on fetching the data from the cloud server.</a:t>
+            </a:r>
+          </a:p>
+          <a:p>
+            <a:pPr marL="171450" indent="-171450">
+              <a:buFont typeface="Arial" panose="020B0604020202020204" pitchFamily="34" charset="0"/>
+              <a:buChar char="•"/>
+            </a:pPr>
+            <a:r>
+              <a:rPr lang="en-IN" sz="1500" dirty="0"/>
+              <a:t>Lead the team, organised meetings, set daily goals and assigned work to all teammates.</a:t>
+            </a:r>
+          </a:p>
+        </p:txBody>
+      </p:sp>
+      <p:sp>
+        <p:nvSpPr>
+          <p:cNvPr id="6" name="TextBox 5">
+            <a:extLst>
+              <a:ext uri="{FF2B5EF4-FFF2-40B4-BE49-F238E27FC236}">
+                <a16:creationId xmlns:a16="http://schemas.microsoft.com/office/drawing/2014/main" id="{E2383138-2DA3-2C3D-CD21-F79FAEDED20A}"/>
+              </a:ext>
+            </a:extLst>
+          </p:cNvPr>
+          <p:cNvSpPr txBox="1"/>
+          <p:nvPr/>
+        </p:nvSpPr>
+        <p:spPr>
+          <a:xfrm>
+            <a:off x="2847086" y="2628972"/>
+            <a:ext cx="2358136" cy="2631490"/>
+          </a:xfrm>
+          <a:prstGeom prst="rect">
+            <a:avLst/>
+          </a:prstGeom>
+          <a:noFill/>
+        </p:spPr>
+        <p:txBody>
+          <a:bodyPr wrap="square" rtlCol="0">
+            <a:spAutoFit/>
+          </a:bodyPr>
+          <a:lstStyle/>
+          <a:p>
+            <a:pPr marL="171450" indent="-171450">
+              <a:buFont typeface="Arial" panose="020B0604020202020204" pitchFamily="34" charset="0"/>
+              <a:buChar char="•"/>
+            </a:pPr>
+            <a:r>
+              <a:rPr lang="en-IN" sz="1500" dirty="0"/>
+              <a:t>Worked on connecting the project to MongoDB database.</a:t>
+            </a:r>
+          </a:p>
+          <a:p>
+            <a:pPr marL="171450" indent="-171450">
+              <a:buFont typeface="Arial" panose="020B0604020202020204" pitchFamily="34" charset="0"/>
+              <a:buChar char="•"/>
+            </a:pPr>
+            <a:r>
+              <a:rPr lang="en-IN" sz="1500" dirty="0"/>
+              <a:t>Worked on middleware to protect login paths via JWT.</a:t>
+            </a:r>
+          </a:p>
+          <a:p>
+            <a:pPr marL="171450" indent="-171450">
+              <a:buFont typeface="Arial" panose="020B0604020202020204" pitchFamily="34" charset="0"/>
+              <a:buChar char="•"/>
+            </a:pPr>
+            <a:r>
+              <a:rPr lang="en-IN" sz="1500" dirty="0"/>
+              <a:t>Worked on user authentication for login and signup.</a:t>
+            </a:r>
+          </a:p>
+          <a:p>
+            <a:pPr marL="171450" indent="-171450">
+              <a:buFont typeface="Arial" panose="020B0604020202020204" pitchFamily="34" charset="0"/>
+              <a:buChar char="•"/>
+            </a:pPr>
+            <a:r>
+              <a:rPr lang="en-IN" sz="1500" dirty="0"/>
+              <a:t>Connected the python and node.js backend</a:t>
+            </a:r>
+          </a:p>
+        </p:txBody>
+      </p:sp>
+      <p:sp>
+        <p:nvSpPr>
+          <p:cNvPr id="7" name="TextBox 6">
+            <a:extLst>
+              <a:ext uri="{FF2B5EF4-FFF2-40B4-BE49-F238E27FC236}">
+                <a16:creationId xmlns:a16="http://schemas.microsoft.com/office/drawing/2014/main" id="{C8A8207F-88B2-4B5B-4252-210065BF3015}"/>
+              </a:ext>
+            </a:extLst>
+          </p:cNvPr>
+          <p:cNvSpPr txBox="1"/>
+          <p:nvPr/>
+        </p:nvSpPr>
+        <p:spPr>
+          <a:xfrm>
+            <a:off x="5534025" y="2624265"/>
+            <a:ext cx="2358136" cy="3093154"/>
+          </a:xfrm>
+          <a:prstGeom prst="rect">
+            <a:avLst/>
+          </a:prstGeom>
+          <a:noFill/>
+        </p:spPr>
+        <p:txBody>
+          <a:bodyPr wrap="square" rtlCol="0">
+            <a:spAutoFit/>
+          </a:bodyPr>
+          <a:lstStyle/>
+          <a:p>
+            <a:pPr marL="171450" indent="-171450">
+              <a:buFont typeface="Arial" panose="020B0604020202020204" pitchFamily="34" charset="0"/>
+              <a:buChar char="•"/>
+            </a:pPr>
+            <a:r>
+              <a:rPr lang="en-IN" sz="1500" dirty="0"/>
+              <a:t>Worked on </a:t>
+            </a:r>
+            <a:r>
+              <a:rPr lang="en-IN" sz="1500" dirty="0" err="1"/>
+              <a:t>SignUp</a:t>
+            </a:r>
+            <a:r>
+              <a:rPr lang="en-IN" sz="1500" dirty="0"/>
+              <a:t> Page and Login Page backend and frontend.</a:t>
+            </a:r>
+          </a:p>
+          <a:p>
+            <a:pPr marL="171450" indent="-171450">
+              <a:buFont typeface="Arial" panose="020B0604020202020204" pitchFamily="34" charset="0"/>
+              <a:buChar char="•"/>
+            </a:pPr>
+            <a:r>
+              <a:rPr lang="en-IN" sz="1500" dirty="0"/>
+              <a:t>Worked on connecting project to the cloud server.</a:t>
+            </a:r>
+          </a:p>
+          <a:p>
+            <a:pPr marL="171450" indent="-171450">
+              <a:buFont typeface="Arial" panose="020B0604020202020204" pitchFamily="34" charset="0"/>
+              <a:buChar char="•"/>
+            </a:pPr>
+            <a:r>
+              <a:rPr lang="en-IN" sz="1500" dirty="0"/>
+              <a:t>Worked on the Frontend for the website in </a:t>
+            </a:r>
+            <a:r>
+              <a:rPr lang="en-IN" sz="1500" dirty="0" err="1"/>
+              <a:t>UserPage</a:t>
+            </a:r>
+            <a:r>
+              <a:rPr lang="en-IN" sz="1500" dirty="0"/>
+              <a:t> and </a:t>
+            </a:r>
+            <a:r>
+              <a:rPr lang="en-IN" sz="1500" dirty="0" err="1"/>
+              <a:t>LandingPage</a:t>
+            </a:r>
+            <a:r>
+              <a:rPr lang="en-IN" sz="1500" dirty="0"/>
+              <a:t>.</a:t>
+            </a:r>
+          </a:p>
+          <a:p>
+            <a:pPr marL="171450" indent="-171450">
+              <a:buFont typeface="Arial" panose="020B0604020202020204" pitchFamily="34" charset="0"/>
+              <a:buChar char="•"/>
+            </a:pPr>
+            <a:r>
+              <a:rPr lang="en-IN" sz="1500" dirty="0"/>
+              <a:t>Worked on the report, presentation and video of the final project.</a:t>
+            </a:r>
+          </a:p>
+        </p:txBody>
+      </p:sp>
+      <p:sp>
+        <p:nvSpPr>
+          <p:cNvPr id="8" name="TextBox 7">
+            <a:extLst>
+              <a:ext uri="{FF2B5EF4-FFF2-40B4-BE49-F238E27FC236}">
+                <a16:creationId xmlns:a16="http://schemas.microsoft.com/office/drawing/2014/main" id="{5F74A56A-3F32-DFF7-7FBB-2B9D0EB6ED0C}"/>
+              </a:ext>
+            </a:extLst>
+          </p:cNvPr>
+          <p:cNvSpPr txBox="1"/>
+          <p:nvPr/>
+        </p:nvSpPr>
+        <p:spPr>
+          <a:xfrm>
+            <a:off x="8086725" y="2624264"/>
+            <a:ext cx="2358136" cy="2862322"/>
+          </a:xfrm>
+          <a:prstGeom prst="rect">
+            <a:avLst/>
+          </a:prstGeom>
+          <a:noFill/>
+        </p:spPr>
+        <p:txBody>
+          <a:bodyPr wrap="square" rtlCol="0">
+            <a:spAutoFit/>
+          </a:bodyPr>
+          <a:lstStyle/>
+          <a:p>
+            <a:pPr marL="171450" indent="-171450">
+              <a:buFont typeface="Arial" panose="020B0604020202020204" pitchFamily="34" charset="0"/>
+              <a:buChar char="•"/>
+            </a:pPr>
+            <a:r>
+              <a:rPr lang="en-IN" sz="1500" dirty="0"/>
+              <a:t>Worked on Text extraction from video upon frame changes.</a:t>
+            </a:r>
+          </a:p>
+          <a:p>
+            <a:pPr marL="171450" indent="-171450">
+              <a:buFont typeface="Arial" panose="020B0604020202020204" pitchFamily="34" charset="0"/>
+              <a:buChar char="•"/>
+            </a:pPr>
+            <a:r>
+              <a:rPr lang="en-IN" sz="1500" dirty="0"/>
+              <a:t>Worked on Text extraction from audio using </a:t>
+            </a:r>
+            <a:r>
+              <a:rPr lang="en-IN" sz="1500" dirty="0" err="1"/>
+              <a:t>assemblyAI</a:t>
+            </a:r>
+            <a:r>
+              <a:rPr lang="en-IN" sz="1500" dirty="0"/>
+              <a:t>.</a:t>
+            </a:r>
+          </a:p>
+          <a:p>
+            <a:pPr marL="171450" indent="-171450">
+              <a:buFont typeface="Arial" panose="020B0604020202020204" pitchFamily="34" charset="0"/>
+              <a:buChar char="•"/>
+            </a:pPr>
+            <a:r>
+              <a:rPr lang="en-IN" sz="1500" dirty="0"/>
+              <a:t>Worked on ML model for text summarization using Pegasus Model.</a:t>
+            </a:r>
+          </a:p>
+          <a:p>
+            <a:pPr marL="171450" indent="-171450">
+              <a:buFont typeface="Arial" panose="020B0604020202020204" pitchFamily="34" charset="0"/>
+              <a:buChar char="•"/>
+            </a:pPr>
+            <a:r>
+              <a:rPr lang="en-IN" sz="1500" dirty="0"/>
+              <a:t>Generated the final notes pdf and submitted it to cloud server.</a:t>
+            </a:r>
           </a:p>
         </p:txBody>
       </p:sp>
